--- a/frontend/classes/Aula 11 -  CSS.pptx
+++ b/frontend/classes/Aula 11 -  CSS.pptx
@@ -7,32 +7,33 @@
   <p:sldIdLst>
     <p:sldId id="256" r:id="rId2"/>
     <p:sldId id="283" r:id="rId3"/>
-    <p:sldId id="257" r:id="rId4"/>
-    <p:sldId id="284" r:id="rId5"/>
-    <p:sldId id="258" r:id="rId6"/>
-    <p:sldId id="259" r:id="rId7"/>
-    <p:sldId id="260" r:id="rId8"/>
-    <p:sldId id="261" r:id="rId9"/>
-    <p:sldId id="262" r:id="rId10"/>
-    <p:sldId id="263" r:id="rId11"/>
-    <p:sldId id="264" r:id="rId12"/>
-    <p:sldId id="265" r:id="rId13"/>
-    <p:sldId id="266" r:id="rId14"/>
-    <p:sldId id="267" r:id="rId15"/>
-    <p:sldId id="276" r:id="rId16"/>
-    <p:sldId id="268" r:id="rId17"/>
-    <p:sldId id="269" r:id="rId18"/>
-    <p:sldId id="270" r:id="rId19"/>
-    <p:sldId id="271" r:id="rId20"/>
-    <p:sldId id="272" r:id="rId21"/>
-    <p:sldId id="273" r:id="rId22"/>
-    <p:sldId id="274" r:id="rId23"/>
-    <p:sldId id="278" r:id="rId24"/>
-    <p:sldId id="279" r:id="rId25"/>
-    <p:sldId id="280" r:id="rId26"/>
-    <p:sldId id="281" r:id="rId27"/>
-    <p:sldId id="277" r:id="rId28"/>
-    <p:sldId id="282" r:id="rId29"/>
+    <p:sldId id="285" r:id="rId4"/>
+    <p:sldId id="257" r:id="rId5"/>
+    <p:sldId id="284" r:id="rId6"/>
+    <p:sldId id="258" r:id="rId7"/>
+    <p:sldId id="259" r:id="rId8"/>
+    <p:sldId id="260" r:id="rId9"/>
+    <p:sldId id="261" r:id="rId10"/>
+    <p:sldId id="262" r:id="rId11"/>
+    <p:sldId id="263" r:id="rId12"/>
+    <p:sldId id="264" r:id="rId13"/>
+    <p:sldId id="265" r:id="rId14"/>
+    <p:sldId id="266" r:id="rId15"/>
+    <p:sldId id="267" r:id="rId16"/>
+    <p:sldId id="276" r:id="rId17"/>
+    <p:sldId id="268" r:id="rId18"/>
+    <p:sldId id="269" r:id="rId19"/>
+    <p:sldId id="270" r:id="rId20"/>
+    <p:sldId id="271" r:id="rId21"/>
+    <p:sldId id="272" r:id="rId22"/>
+    <p:sldId id="273" r:id="rId23"/>
+    <p:sldId id="274" r:id="rId24"/>
+    <p:sldId id="278" r:id="rId25"/>
+    <p:sldId id="279" r:id="rId26"/>
+    <p:sldId id="280" r:id="rId27"/>
+    <p:sldId id="281" r:id="rId28"/>
+    <p:sldId id="277" r:id="rId29"/>
+    <p:sldId id="282" r:id="rId30"/>
   </p:sldIdLst>
   <p:sldSz cx="12192000" cy="6858000"/>
   <p:notesSz cx="6858000" cy="9144000"/>
@@ -542,7 +543,7 @@
           <a:p>
             <a:fld id="{83284890-85D2-4D7B-8EF5-15A9C1DB8F42}" type="datetimeFigureOut">
               <a:rPr lang="en-US" dirty="0"/>
-              <a:t>1/27/2020</a:t>
+              <a:t>1/28/2020</a:t>
             </a:fld>
             <a:endParaRPr lang="en-US" dirty="0"/>
           </a:p>
@@ -717,7 +718,7 @@
           <a:p>
             <a:fld id="{87157CC2-0FC8-4686-B024-99790E0F5162}" type="datetimeFigureOut">
               <a:rPr lang="en-US" dirty="0"/>
-              <a:t>1/27/2020</a:t>
+              <a:t>1/28/2020</a:t>
             </a:fld>
             <a:endParaRPr lang="en-US" dirty="0"/>
           </a:p>
@@ -892,7 +893,7 @@
           <a:p>
             <a:fld id="{F6764DA5-CD3D-4590-A511-FCD3BC7A793E}" type="datetimeFigureOut">
               <a:rPr lang="en-US" dirty="0"/>
-              <a:t>1/27/2020</a:t>
+              <a:t>1/28/2020</a:t>
             </a:fld>
             <a:endParaRPr lang="en-US" dirty="0"/>
           </a:p>
@@ -1057,7 +1058,7 @@
           <a:p>
             <a:fld id="{82F5661D-6934-4B32-B92C-470368BF1EC6}" type="datetimeFigureOut">
               <a:rPr lang="en-US" dirty="0"/>
-              <a:t>1/27/2020</a:t>
+              <a:t>1/28/2020</a:t>
             </a:fld>
             <a:endParaRPr lang="en-US" dirty="0"/>
           </a:p>
@@ -1365,7 +1366,7 @@
           <a:p>
             <a:fld id="{C6F822A4-8DA6-4447-9B1F-C5DB58435268}" type="datetimeFigureOut">
               <a:rPr lang="en-US" dirty="0"/>
-              <a:t>1/27/2020</a:t>
+              <a:t>1/28/2020</a:t>
             </a:fld>
             <a:endParaRPr lang="en-US" dirty="0"/>
           </a:p>
@@ -1747,7 +1748,7 @@
           <a:p>
             <a:fld id="{E548D31E-DCDA-41A7-9C67-C4B11B94D21D}" type="datetimeFigureOut">
               <a:rPr lang="en-US" dirty="0"/>
-              <a:t>1/27/2020</a:t>
+              <a:t>1/28/2020</a:t>
             </a:fld>
             <a:endParaRPr lang="en-US" dirty="0"/>
           </a:p>
@@ -2176,7 +2177,7 @@
           <a:p>
             <a:fld id="{9B3762C0-B258-48F1-ADE6-176B4174CCDD}" type="datetimeFigureOut">
               <a:rPr lang="en-US" dirty="0"/>
-              <a:t>1/27/2020</a:t>
+              <a:t>1/28/2020</a:t>
             </a:fld>
             <a:endParaRPr lang="en-US" dirty="0"/>
           </a:p>
@@ -2289,7 +2290,7 @@
           <a:p>
             <a:fld id="{677919A6-33EB-49BD-A62F-1FA56B9F9712}" type="datetimeFigureOut">
               <a:rPr lang="en-US" dirty="0"/>
-              <a:t>1/27/2020</a:t>
+              <a:t>1/28/2020</a:t>
             </a:fld>
             <a:endParaRPr lang="en-US" dirty="0"/>
           </a:p>
@@ -2379,7 +2380,7 @@
           <a:p>
             <a:fld id="{CA4E7D1B-D673-4CF6-8672-009D42ABD2A0}" type="datetimeFigureOut">
               <a:rPr lang="en-US" dirty="0"/>
-              <a:t>1/27/2020</a:t>
+              <a:t>1/28/2020</a:t>
             </a:fld>
             <a:endParaRPr lang="en-US" dirty="0"/>
           </a:p>
@@ -2724,7 +2725,7 @@
           <a:p>
             <a:fld id="{DA16AA21-1863-4931-97CB-99D0A168701B}" type="datetimeFigureOut">
               <a:rPr lang="en-US" dirty="0"/>
-              <a:t>1/27/2020</a:t>
+              <a:t>1/28/2020</a:t>
             </a:fld>
             <a:endParaRPr lang="en-US" dirty="0"/>
           </a:p>
@@ -3144,7 +3145,7 @@
           <a:p>
             <a:fld id="{3772C379-9A7C-4C87-A116-CBE9F58B04C5}" type="datetimeFigureOut">
               <a:rPr lang="en-US" dirty="0"/>
-              <a:t>1/27/2020</a:t>
+              <a:t>1/28/2020</a:t>
             </a:fld>
             <a:endParaRPr lang="en-US" dirty="0"/>
           </a:p>
@@ -3420,7 +3421,7 @@
           <a:p>
             <a:fld id="{8664C608-40B1-4030-A28D-5B74BC98ADCE}" type="datetimeFigureOut">
               <a:rPr lang="en-US" dirty="0"/>
-              <a:t>1/27/2020</a:t>
+              <a:t>1/28/2020</a:t>
             </a:fld>
             <a:endParaRPr lang="en-US" dirty="0"/>
           </a:p>
@@ -4074,6 +4075,613 @@
       </p:grpSpPr>
       <p:sp>
         <p:nvSpPr>
+          <p:cNvPr id="3" name="Espaço Reservado para Conteúdo 2"/>
+          <p:cNvSpPr>
+            <a:spLocks noGrp="1"/>
+          </p:cNvSpPr>
+          <p:nvPr>
+            <p:ph idx="1"/>
+          </p:nvPr>
+        </p:nvSpPr>
+        <p:spPr>
+          <a:xfrm>
+            <a:off x="81022" y="257884"/>
+            <a:ext cx="12110977" cy="2103351"/>
+          </a:xfrm>
+        </p:spPr>
+        <p:txBody>
+          <a:bodyPr>
+            <a:normAutofit/>
+          </a:bodyPr>
+          <a:lstStyle/>
+          <a:p>
+            <a:r>
+              <a:rPr lang="pt-BR" dirty="0"/>
+              <a:t>Para </a:t>
+            </a:r>
+            <a:r>
+              <a:rPr lang="pt-BR" b="1" dirty="0"/>
+              <a:t>desenvolver páginas com HTML</a:t>
+            </a:r>
+            <a:r>
+              <a:rPr lang="pt-BR" dirty="0"/>
+              <a:t> basicamente precisamos de um editor de texto, como o Bloco de Notas do Windows, Nano e </a:t>
+            </a:r>
+            <a:r>
+              <a:rPr lang="pt-BR" dirty="0" err="1"/>
+              <a:t>Emacs</a:t>
+            </a:r>
+            <a:r>
+              <a:rPr lang="pt-BR" dirty="0"/>
+              <a:t> no Linux, entre vários outros. Há, ainda, editores com opções avançadas, como recursos de </a:t>
+            </a:r>
+            <a:r>
+              <a:rPr lang="pt-BR" dirty="0" err="1"/>
+              <a:t>syntax</a:t>
+            </a:r>
+            <a:r>
+              <a:rPr lang="pt-BR" dirty="0"/>
+              <a:t> </a:t>
+            </a:r>
+            <a:r>
+              <a:rPr lang="pt-BR" dirty="0" err="1"/>
+              <a:t>hilghligt</a:t>
+            </a:r>
+            <a:r>
+              <a:rPr lang="pt-BR" dirty="0"/>
+              <a:t> e </a:t>
+            </a:r>
+            <a:r>
+              <a:rPr lang="pt-BR" dirty="0" err="1"/>
+              <a:t>autocomplete</a:t>
+            </a:r>
+            <a:r>
+              <a:rPr lang="pt-BR" dirty="0"/>
+              <a:t>, como Sublime </a:t>
+            </a:r>
+            <a:r>
+              <a:rPr lang="pt-BR" dirty="0" err="1"/>
+              <a:t>Text</a:t>
+            </a:r>
+            <a:r>
+              <a:rPr lang="pt-BR" dirty="0"/>
+              <a:t>, </a:t>
+            </a:r>
+            <a:r>
+              <a:rPr lang="pt-BR" dirty="0" err="1"/>
+              <a:t>Atom</a:t>
+            </a:r>
+            <a:r>
+              <a:rPr lang="pt-BR" dirty="0"/>
+              <a:t>, Visual Studio </a:t>
+            </a:r>
+            <a:r>
+              <a:rPr lang="pt-BR" dirty="0" err="1"/>
+              <a:t>Code</a:t>
+            </a:r>
+            <a:r>
+              <a:rPr lang="pt-BR" dirty="0"/>
+              <a:t>, que podem ser usados para </a:t>
+            </a:r>
+            <a:r>
+              <a:rPr lang="pt-BR" b="1" dirty="0"/>
+              <a:t>editar documentos HTML</a:t>
+            </a:r>
+            <a:r>
+              <a:rPr lang="pt-BR" dirty="0"/>
+              <a:t>.</a:t>
+            </a:r>
+          </a:p>
+          <a:p>
+            <a:r>
+              <a:rPr lang="pt-BR" dirty="0"/>
+              <a:t>Independentemente do editor utilizado, podemos simplesmente escrever um código para um deles e salvar o arquivo com extensão .</a:t>
+            </a:r>
+            <a:r>
+              <a:rPr lang="pt-BR" dirty="0" err="1"/>
+              <a:t>html</a:t>
+            </a:r>
+            <a:r>
+              <a:rPr lang="pt-BR" dirty="0"/>
+              <a:t>. Em seguida, podemos abrir esse arquivo em um browser.</a:t>
+            </a:r>
+          </a:p>
+          <a:p>
+            <a:endParaRPr lang="en-US" dirty="0"/>
+          </a:p>
+        </p:txBody>
+      </p:sp>
+      <p:pic>
+        <p:nvPicPr>
+          <p:cNvPr id="3076" name="Picture 4" descr="Resultado de imagem para Bloco de Notas"/>
+          <p:cNvPicPr>
+            <a:picLocks noChangeAspect="1" noChangeArrowheads="1"/>
+          </p:cNvPicPr>
+          <p:nvPr/>
+        </p:nvPicPr>
+        <p:blipFill>
+          <a:blip r:embed="rId2">
+            <a:extLst>
+              <a:ext uri="{28A0092B-C50C-407E-A947-70E740481C1C}">
+                <a14:useLocalDpi xmlns:a14="http://schemas.microsoft.com/office/drawing/2010/main" val="0"/>
+              </a:ext>
+            </a:extLst>
+          </a:blip>
+          <a:srcRect/>
+          <a:stretch>
+            <a:fillRect/>
+          </a:stretch>
+        </p:blipFill>
+        <p:spPr bwMode="auto">
+          <a:xfrm>
+            <a:off x="81022" y="2498276"/>
+            <a:ext cx="2143125" cy="2143125"/>
+          </a:xfrm>
+          <a:prstGeom prst="rect">
+            <a:avLst/>
+          </a:prstGeom>
+          <a:noFill/>
+          <a:extLst>
+            <a:ext uri="{909E8E84-426E-40DD-AFC4-6F175D3DCCD1}">
+              <a14:hiddenFill xmlns:a14="http://schemas.microsoft.com/office/drawing/2010/main">
+                <a:solidFill>
+                  <a:srgbClr val="FFFFFF"/>
+                </a:solidFill>
+              </a14:hiddenFill>
+            </a:ext>
+          </a:extLst>
+        </p:spPr>
+      </p:pic>
+      <p:pic>
+        <p:nvPicPr>
+          <p:cNvPr id="3078" name="Picture 6" descr="Resultado de imagem para Nano linux&quot;"/>
+          <p:cNvPicPr>
+            <a:picLocks noChangeAspect="1" noChangeArrowheads="1"/>
+          </p:cNvPicPr>
+          <p:nvPr/>
+        </p:nvPicPr>
+        <p:blipFill>
+          <a:blip r:embed="rId3">
+            <a:extLst>
+              <a:ext uri="{28A0092B-C50C-407E-A947-70E740481C1C}">
+                <a14:useLocalDpi xmlns:a14="http://schemas.microsoft.com/office/drawing/2010/main" val="0"/>
+              </a:ext>
+            </a:extLst>
+          </a:blip>
+          <a:srcRect/>
+          <a:stretch>
+            <a:fillRect/>
+          </a:stretch>
+        </p:blipFill>
+        <p:spPr bwMode="auto">
+          <a:xfrm>
+            <a:off x="2655708" y="2077063"/>
+            <a:ext cx="3349026" cy="2392892"/>
+          </a:xfrm>
+          <a:prstGeom prst="rect">
+            <a:avLst/>
+          </a:prstGeom>
+          <a:noFill/>
+          <a:extLst>
+            <a:ext uri="{909E8E84-426E-40DD-AFC4-6F175D3DCCD1}">
+              <a14:hiddenFill xmlns:a14="http://schemas.microsoft.com/office/drawing/2010/main">
+                <a:solidFill>
+                  <a:srgbClr val="FFFFFF"/>
+                </a:solidFill>
+              </a14:hiddenFill>
+            </a:ext>
+          </a:extLst>
+        </p:spPr>
+      </p:pic>
+      <p:pic>
+        <p:nvPicPr>
+          <p:cNvPr id="3080" name="Picture 8" descr="Resultado de imagem para Emacs  linux&quot;"/>
+          <p:cNvPicPr>
+            <a:picLocks noChangeAspect="1" noChangeArrowheads="1"/>
+          </p:cNvPicPr>
+          <p:nvPr/>
+        </p:nvPicPr>
+        <p:blipFill>
+          <a:blip r:embed="rId4">
+            <a:extLst>
+              <a:ext uri="{28A0092B-C50C-407E-A947-70E740481C1C}">
+                <a14:useLocalDpi xmlns:a14="http://schemas.microsoft.com/office/drawing/2010/main" val="0"/>
+              </a:ext>
+            </a:extLst>
+          </a:blip>
+          <a:srcRect/>
+          <a:stretch>
+            <a:fillRect/>
+          </a:stretch>
+        </p:blipFill>
+        <p:spPr bwMode="auto">
+          <a:xfrm>
+            <a:off x="7100288" y="2047491"/>
+            <a:ext cx="3996156" cy="2735785"/>
+          </a:xfrm>
+          <a:prstGeom prst="rect">
+            <a:avLst/>
+          </a:prstGeom>
+          <a:noFill/>
+          <a:extLst>
+            <a:ext uri="{909E8E84-426E-40DD-AFC4-6F175D3DCCD1}">
+              <a14:hiddenFill xmlns:a14="http://schemas.microsoft.com/office/drawing/2010/main">
+                <a:solidFill>
+                  <a:srgbClr val="FFFFFF"/>
+                </a:solidFill>
+              </a14:hiddenFill>
+            </a:ext>
+          </a:extLst>
+        </p:spPr>
+      </p:pic>
+      <p:pic>
+        <p:nvPicPr>
+          <p:cNvPr id="3086" name="Picture 14" descr="Resultado de imagem para Notepad++"/>
+          <p:cNvPicPr>
+            <a:picLocks noChangeAspect="1" noChangeArrowheads="1"/>
+          </p:cNvPicPr>
+          <p:nvPr/>
+        </p:nvPicPr>
+        <p:blipFill>
+          <a:blip r:embed="rId5">
+            <a:extLst>
+              <a:ext uri="{28A0092B-C50C-407E-A947-70E740481C1C}">
+                <a14:useLocalDpi xmlns:a14="http://schemas.microsoft.com/office/drawing/2010/main" val="0"/>
+              </a:ext>
+            </a:extLst>
+          </a:blip>
+          <a:srcRect/>
+          <a:stretch>
+            <a:fillRect/>
+          </a:stretch>
+        </p:blipFill>
+        <p:spPr bwMode="auto">
+          <a:xfrm>
+            <a:off x="144402" y="4641401"/>
+            <a:ext cx="2295525" cy="1990725"/>
+          </a:xfrm>
+          <a:prstGeom prst="rect">
+            <a:avLst/>
+          </a:prstGeom>
+          <a:noFill/>
+          <a:extLst>
+            <a:ext uri="{909E8E84-426E-40DD-AFC4-6F175D3DCCD1}">
+              <a14:hiddenFill xmlns:a14="http://schemas.microsoft.com/office/drawing/2010/main">
+                <a:solidFill>
+                  <a:srgbClr val="FFFFFF"/>
+                </a:solidFill>
+              </a14:hiddenFill>
+            </a:ext>
+          </a:extLst>
+        </p:spPr>
+      </p:pic>
+      <p:pic>
+        <p:nvPicPr>
+          <p:cNvPr id="3088" name="Picture 16" descr="Resultado de imagem para Atom"/>
+          <p:cNvPicPr>
+            <a:picLocks noChangeAspect="1" noChangeArrowheads="1"/>
+          </p:cNvPicPr>
+          <p:nvPr/>
+        </p:nvPicPr>
+        <p:blipFill>
+          <a:blip r:embed="rId6">
+            <a:extLst>
+              <a:ext uri="{28A0092B-C50C-407E-A947-70E740481C1C}">
+                <a14:useLocalDpi xmlns:a14="http://schemas.microsoft.com/office/drawing/2010/main" val="0"/>
+              </a:ext>
+            </a:extLst>
+          </a:blip>
+          <a:srcRect/>
+          <a:stretch>
+            <a:fillRect/>
+          </a:stretch>
+        </p:blipFill>
+        <p:spPr bwMode="auto">
+          <a:xfrm>
+            <a:off x="2439927" y="4641401"/>
+            <a:ext cx="2143125" cy="2143125"/>
+          </a:xfrm>
+          <a:prstGeom prst="rect">
+            <a:avLst/>
+          </a:prstGeom>
+          <a:noFill/>
+          <a:extLst>
+            <a:ext uri="{909E8E84-426E-40DD-AFC4-6F175D3DCCD1}">
+              <a14:hiddenFill xmlns:a14="http://schemas.microsoft.com/office/drawing/2010/main">
+                <a:solidFill>
+                  <a:srgbClr val="FFFFFF"/>
+                </a:solidFill>
+              </a14:hiddenFill>
+            </a:ext>
+          </a:extLst>
+        </p:spPr>
+      </p:pic>
+      <p:sp>
+        <p:nvSpPr>
+          <p:cNvPr id="7" name="AutoShape 18" descr="Resultado de imagem para Sublime Text&quot;"/>
+          <p:cNvSpPr>
+            <a:spLocks noChangeAspect="1" noChangeArrowheads="1"/>
+          </p:cNvSpPr>
+          <p:nvPr/>
+        </p:nvSpPr>
+        <p:spPr bwMode="auto">
+          <a:xfrm>
+            <a:off x="155575" y="-144463"/>
+            <a:ext cx="304800" cy="304801"/>
+          </a:xfrm>
+          <a:prstGeom prst="rect">
+            <a:avLst/>
+          </a:prstGeom>
+          <a:noFill/>
+          <a:extLst>
+            <a:ext uri="{909E8E84-426E-40DD-AFC4-6F175D3DCCD1}">
+              <a14:hiddenFill xmlns:a14="http://schemas.microsoft.com/office/drawing/2010/main">
+                <a:solidFill>
+                  <a:srgbClr val="FFFFFF"/>
+                </a:solidFill>
+              </a14:hiddenFill>
+            </a:ext>
+          </a:extLst>
+        </p:spPr>
+        <p:txBody>
+          <a:bodyPr vert="horz" wrap="square" lIns="91440" tIns="45720" rIns="91440" bIns="45720" numCol="1" anchor="t" anchorCtr="0" compatLnSpc="1">
+            <a:prstTxWarp prst="textNoShape">
+              <a:avLst/>
+            </a:prstTxWarp>
+          </a:bodyPr>
+          <a:lstStyle/>
+          <a:p>
+            <a:endParaRPr lang="en-US"/>
+          </a:p>
+        </p:txBody>
+      </p:sp>
+      <p:sp>
+        <p:nvSpPr>
+          <p:cNvPr id="8" name="AutoShape 20" descr="Resultado de imagem para Sublime Text&quot;"/>
+          <p:cNvSpPr>
+            <a:spLocks noChangeAspect="1" noChangeArrowheads="1"/>
+          </p:cNvSpPr>
+          <p:nvPr/>
+        </p:nvSpPr>
+        <p:spPr bwMode="auto">
+          <a:xfrm>
+            <a:off x="307975" y="7937"/>
+            <a:ext cx="304800" cy="304801"/>
+          </a:xfrm>
+          <a:prstGeom prst="rect">
+            <a:avLst/>
+          </a:prstGeom>
+          <a:noFill/>
+          <a:extLst>
+            <a:ext uri="{909E8E84-426E-40DD-AFC4-6F175D3DCCD1}">
+              <a14:hiddenFill xmlns:a14="http://schemas.microsoft.com/office/drawing/2010/main">
+                <a:solidFill>
+                  <a:srgbClr val="FFFFFF"/>
+                </a:solidFill>
+              </a14:hiddenFill>
+            </a:ext>
+          </a:extLst>
+        </p:spPr>
+        <p:txBody>
+          <a:bodyPr vert="horz" wrap="square" lIns="91440" tIns="45720" rIns="91440" bIns="45720" numCol="1" anchor="t" anchorCtr="0" compatLnSpc="1">
+            <a:prstTxWarp prst="textNoShape">
+              <a:avLst/>
+            </a:prstTxWarp>
+          </a:bodyPr>
+          <a:lstStyle/>
+          <a:p>
+            <a:endParaRPr lang="en-US"/>
+          </a:p>
+        </p:txBody>
+      </p:sp>
+      <p:pic>
+        <p:nvPicPr>
+          <p:cNvPr id="11" name="Imagem 10"/>
+          <p:cNvPicPr>
+            <a:picLocks noChangeAspect="1"/>
+          </p:cNvPicPr>
+          <p:nvPr/>
+        </p:nvPicPr>
+        <p:blipFill>
+          <a:blip r:embed="rId7"/>
+          <a:stretch>
+            <a:fillRect/>
+          </a:stretch>
+        </p:blipFill>
+        <p:spPr>
+          <a:xfrm>
+            <a:off x="4899086" y="4783276"/>
+            <a:ext cx="1973385" cy="2041433"/>
+          </a:xfrm>
+          <a:prstGeom prst="rect">
+            <a:avLst/>
+          </a:prstGeom>
+        </p:spPr>
+      </p:pic>
+      <p:pic>
+        <p:nvPicPr>
+          <p:cNvPr id="3098" name="Picture 26" descr="Resultado de imagem para Visual Studio Code&quot;"/>
+          <p:cNvPicPr>
+            <a:picLocks noChangeAspect="1" noChangeArrowheads="1"/>
+          </p:cNvPicPr>
+          <p:nvPr/>
+        </p:nvPicPr>
+        <p:blipFill>
+          <a:blip r:embed="rId8">
+            <a:extLst>
+              <a:ext uri="{28A0092B-C50C-407E-A947-70E740481C1C}">
+                <a14:useLocalDpi xmlns:a14="http://schemas.microsoft.com/office/drawing/2010/main" val="0"/>
+              </a:ext>
+            </a:extLst>
+          </a:blip>
+          <a:srcRect/>
+          <a:stretch>
+            <a:fillRect/>
+          </a:stretch>
+        </p:blipFill>
+        <p:spPr bwMode="auto">
+          <a:xfrm>
+            <a:off x="7454770" y="4862832"/>
+            <a:ext cx="1882319" cy="1882319"/>
+          </a:xfrm>
+          <a:prstGeom prst="rect">
+            <a:avLst/>
+          </a:prstGeom>
+          <a:noFill/>
+          <a:extLst>
+            <a:ext uri="{909E8E84-426E-40DD-AFC4-6F175D3DCCD1}">
+              <a14:hiddenFill xmlns:a14="http://schemas.microsoft.com/office/drawing/2010/main">
+                <a:solidFill>
+                  <a:srgbClr val="FFFFFF"/>
+                </a:solidFill>
+              </a14:hiddenFill>
+            </a:ext>
+          </a:extLst>
+        </p:spPr>
+      </p:pic>
+      <p:sp>
+        <p:nvSpPr>
+          <p:cNvPr id="13" name="Retângulo 12"/>
+          <p:cNvSpPr/>
+          <p:nvPr/>
+        </p:nvSpPr>
+        <p:spPr>
+          <a:xfrm>
+            <a:off x="9492669" y="6488668"/>
+            <a:ext cx="2272610" cy="369332"/>
+          </a:xfrm>
+          <a:prstGeom prst="rect">
+            <a:avLst/>
+          </a:prstGeom>
+        </p:spPr>
+        <p:txBody>
+          <a:bodyPr wrap="none">
+            <a:spAutoFit/>
+          </a:bodyPr>
+          <a:lstStyle/>
+          <a:p>
+            <a:r>
+              <a:rPr lang="en-US" dirty="0">
+                <a:hlinkClick r:id="rId9"/>
+              </a:rPr>
+              <a:t>https://jsfiddle.net/</a:t>
+            </a:r>
+            <a:endParaRPr lang="en-US" dirty="0"/>
+          </a:p>
+        </p:txBody>
+      </p:sp>
+      <p:sp>
+        <p:nvSpPr>
+          <p:cNvPr id="14" name="AutoShape 28" descr="Resultado de imagem para jsfiddle"/>
+          <p:cNvSpPr>
+            <a:spLocks noChangeAspect="1" noChangeArrowheads="1"/>
+          </p:cNvSpPr>
+          <p:nvPr/>
+        </p:nvSpPr>
+        <p:spPr bwMode="auto">
+          <a:xfrm>
+            <a:off x="460375" y="160337"/>
+            <a:ext cx="304800" cy="304801"/>
+          </a:xfrm>
+          <a:prstGeom prst="rect">
+            <a:avLst/>
+          </a:prstGeom>
+          <a:noFill/>
+          <a:extLst>
+            <a:ext uri="{909E8E84-426E-40DD-AFC4-6F175D3DCCD1}">
+              <a14:hiddenFill xmlns:a14="http://schemas.microsoft.com/office/drawing/2010/main">
+                <a:solidFill>
+                  <a:srgbClr val="FFFFFF"/>
+                </a:solidFill>
+              </a14:hiddenFill>
+            </a:ext>
+          </a:extLst>
+        </p:spPr>
+        <p:txBody>
+          <a:bodyPr vert="horz" wrap="square" lIns="91440" tIns="45720" rIns="91440" bIns="45720" numCol="1" anchor="t" anchorCtr="0" compatLnSpc="1">
+            <a:prstTxWarp prst="textNoShape">
+              <a:avLst/>
+            </a:prstTxWarp>
+          </a:bodyPr>
+          <a:lstStyle/>
+          <a:p>
+            <a:endParaRPr lang="en-US"/>
+          </a:p>
+        </p:txBody>
+      </p:sp>
+      <p:pic>
+        <p:nvPicPr>
+          <p:cNvPr id="3102" name="Picture 30" descr="Resultado de imagem para jsfiddle&quot;"/>
+          <p:cNvPicPr>
+            <a:picLocks noChangeAspect="1" noChangeArrowheads="1"/>
+          </p:cNvPicPr>
+          <p:nvPr/>
+        </p:nvPicPr>
+        <p:blipFill>
+          <a:blip r:embed="rId10">
+            <a:extLst>
+              <a:ext uri="{28A0092B-C50C-407E-A947-70E740481C1C}">
+                <a14:useLocalDpi xmlns:a14="http://schemas.microsoft.com/office/drawing/2010/main" val="0"/>
+              </a:ext>
+            </a:extLst>
+          </a:blip>
+          <a:srcRect/>
+          <a:stretch>
+            <a:fillRect/>
+          </a:stretch>
+        </p:blipFill>
+        <p:spPr bwMode="auto">
+          <a:xfrm>
+            <a:off x="9741535" y="4956731"/>
+            <a:ext cx="1531937" cy="1531937"/>
+          </a:xfrm>
+          <a:prstGeom prst="rect">
+            <a:avLst/>
+          </a:prstGeom>
+          <a:noFill/>
+          <a:extLst>
+            <a:ext uri="{909E8E84-426E-40DD-AFC4-6F175D3DCCD1}">
+              <a14:hiddenFill xmlns:a14="http://schemas.microsoft.com/office/drawing/2010/main">
+                <a:solidFill>
+                  <a:srgbClr val="FFFFFF"/>
+                </a:solidFill>
+              </a14:hiddenFill>
+            </a:ext>
+          </a:extLst>
+        </p:spPr>
+      </p:pic>
+    </p:spTree>
+    <p:extLst>
+      <p:ext uri="{BB962C8B-B14F-4D97-AF65-F5344CB8AC3E}">
+        <p14:creationId xmlns:p14="http://schemas.microsoft.com/office/powerpoint/2010/main" val="145471559"/>
+      </p:ext>
+    </p:extLst>
+  </p:cSld>
+  <p:clrMapOvr>
+    <a:masterClrMapping/>
+  </p:clrMapOvr>
+</p:sld>
+</file>
+
+<file path=ppt/slides/slide11.xml><?xml version="1.0" encoding="utf-8"?>
+<p:sld xmlns:a="http://schemas.openxmlformats.org/drawingml/2006/main" xmlns:r="http://schemas.openxmlformats.org/officeDocument/2006/relationships" xmlns:p="http://schemas.openxmlformats.org/presentationml/2006/main">
+  <p:cSld>
+    <p:spTree>
+      <p:nvGrpSpPr>
+        <p:cNvPr id="1" name=""/>
+        <p:cNvGrpSpPr/>
+        <p:nvPr/>
+      </p:nvGrpSpPr>
+      <p:grpSpPr>
+        <a:xfrm>
+          <a:off x="0" y="0"/>
+          <a:ext cx="0" cy="0"/>
+          <a:chOff x="0" y="0"/>
+          <a:chExt cx="0" cy="0"/>
+        </a:xfrm>
+      </p:grpSpPr>
+      <p:sp>
+        <p:nvSpPr>
           <p:cNvPr id="2" name="Título 1"/>
           <p:cNvSpPr>
             <a:spLocks noGrp="1"/>
@@ -4276,7 +4884,7 @@
 </p:sld>
 </file>
 
-<file path=ppt/slides/slide11.xml><?xml version="1.0" encoding="utf-8"?>
+<file path=ppt/slides/slide12.xml><?xml version="1.0" encoding="utf-8"?>
 <p:sld xmlns:a="http://schemas.openxmlformats.org/drawingml/2006/main" xmlns:r="http://schemas.openxmlformats.org/officeDocument/2006/relationships" xmlns:p="http://schemas.openxmlformats.org/presentationml/2006/main">
   <p:cSld>
     <p:spTree>
@@ -4492,7 +5100,7 @@
 </p:sld>
 </file>
 
-<file path=ppt/slides/slide12.xml><?xml version="1.0" encoding="utf-8"?>
+<file path=ppt/slides/slide13.xml><?xml version="1.0" encoding="utf-8"?>
 <p:sld xmlns:a="http://schemas.openxmlformats.org/drawingml/2006/main" xmlns:r="http://schemas.openxmlformats.org/officeDocument/2006/relationships" xmlns:p="http://schemas.openxmlformats.org/presentationml/2006/main">
   <p:cSld>
     <p:spTree>
@@ -4584,7 +5192,7 @@
 </p:sld>
 </file>
 
-<file path=ppt/slides/slide13.xml><?xml version="1.0" encoding="utf-8"?>
+<file path=ppt/slides/slide14.xml><?xml version="1.0" encoding="utf-8"?>
 <p:sld xmlns:a="http://schemas.openxmlformats.org/drawingml/2006/main" xmlns:r="http://schemas.openxmlformats.org/officeDocument/2006/relationships" xmlns:p="http://schemas.openxmlformats.org/presentationml/2006/main">
   <p:cSld>
     <p:spTree>
@@ -4606,7 +5214,7 @@
           <p:cNvPr id="2" name="Título 1">
             <a:extLst>
               <a:ext uri="{FF2B5EF4-FFF2-40B4-BE49-F238E27FC236}">
-                <a16:creationId xmlns:a16="http://schemas.microsoft.com/office/drawing/2014/main" id="{300AFEBB-1242-47F9-BC56-280F5AC2C63C}"/>
+                <a16:creationId xmlns:a16="http://schemas.microsoft.com/office/drawing/2014/main" xmlns="" id="{300AFEBB-1242-47F9-BC56-280F5AC2C63C}"/>
               </a:ext>
             </a:extLst>
           </p:cNvPr>
@@ -4635,7 +5243,7 @@
           <p:cNvPr id="3" name="Espaço Reservado para Conteúdo 2">
             <a:extLst>
               <a:ext uri="{FF2B5EF4-FFF2-40B4-BE49-F238E27FC236}">
-                <a16:creationId xmlns:a16="http://schemas.microsoft.com/office/drawing/2014/main" id="{E792CCFD-7E31-4A41-B065-68B848BF9B9E}"/>
+                <a16:creationId xmlns:a16="http://schemas.microsoft.com/office/drawing/2014/main" xmlns="" id="{E792CCFD-7E31-4A41-B065-68B848BF9B9E}"/>
               </a:ext>
             </a:extLst>
           </p:cNvPr>
@@ -4689,7 +5297,7 @@
           <p:cNvPr id="24" name="Imagem 23">
             <a:extLst>
               <a:ext uri="{FF2B5EF4-FFF2-40B4-BE49-F238E27FC236}">
-                <a16:creationId xmlns:a16="http://schemas.microsoft.com/office/drawing/2014/main" id="{F7514339-11E6-42C4-9A84-B4A4F8CABA66}"/>
+                <a16:creationId xmlns:a16="http://schemas.microsoft.com/office/drawing/2014/main" xmlns="" id="{F7514339-11E6-42C4-9A84-B4A4F8CABA66}"/>
               </a:ext>
             </a:extLst>
           </p:cNvPr>
@@ -4719,7 +5327,7 @@
           <p:cNvPr id="1045" name="Picture 21" descr="Parágrafos visualizados na página">
             <a:extLst>
               <a:ext uri="{FF2B5EF4-FFF2-40B4-BE49-F238E27FC236}">
-                <a16:creationId xmlns:a16="http://schemas.microsoft.com/office/drawing/2014/main" id="{9BC651C5-8620-401B-9684-4B25F77C180B}"/>
+                <a16:creationId xmlns:a16="http://schemas.microsoft.com/office/drawing/2014/main" xmlns="" id="{9BC651C5-8620-401B-9684-4B25F77C180B}"/>
               </a:ext>
             </a:extLst>
           </p:cNvPr>
@@ -4774,7 +5382,7 @@
 </p:sld>
 </file>
 
-<file path=ppt/slides/slide14.xml><?xml version="1.0" encoding="utf-8"?>
+<file path=ppt/slides/slide15.xml><?xml version="1.0" encoding="utf-8"?>
 <p:sld xmlns:a="http://schemas.openxmlformats.org/drawingml/2006/main" xmlns:r="http://schemas.openxmlformats.org/officeDocument/2006/relationships" xmlns:p="http://schemas.openxmlformats.org/presentationml/2006/main">
   <p:cSld>
     <p:spTree>
@@ -4796,7 +5404,7 @@
           <p:cNvPr id="2" name="Título 1">
             <a:extLst>
               <a:ext uri="{FF2B5EF4-FFF2-40B4-BE49-F238E27FC236}">
-                <a16:creationId xmlns:a16="http://schemas.microsoft.com/office/drawing/2014/main" id="{942C0CD8-FDFA-4C4D-BB2F-FA80CFB9E3AB}"/>
+                <a16:creationId xmlns:a16="http://schemas.microsoft.com/office/drawing/2014/main" xmlns="" id="{942C0CD8-FDFA-4C4D-BB2F-FA80CFB9E3AB}"/>
               </a:ext>
             </a:extLst>
           </p:cNvPr>
@@ -4830,7 +5438,7 @@
           <p:cNvPr id="3" name="Espaço Reservado para Conteúdo 2">
             <a:extLst>
               <a:ext uri="{FF2B5EF4-FFF2-40B4-BE49-F238E27FC236}">
-                <a16:creationId xmlns:a16="http://schemas.microsoft.com/office/drawing/2014/main" id="{941CB306-928D-4CB5-AFB2-7522F547B490}"/>
+                <a16:creationId xmlns:a16="http://schemas.microsoft.com/office/drawing/2014/main" xmlns="" id="{941CB306-928D-4CB5-AFB2-7522F547B490}"/>
               </a:ext>
             </a:extLst>
           </p:cNvPr>
@@ -4924,7 +5532,7 @@
           <p:cNvPr id="4" name="Imagem 3">
             <a:extLst>
               <a:ext uri="{FF2B5EF4-FFF2-40B4-BE49-F238E27FC236}">
-                <a16:creationId xmlns:a16="http://schemas.microsoft.com/office/drawing/2014/main" id="{8CFD5FD8-68DC-457B-BDCA-B31AA3719884}"/>
+                <a16:creationId xmlns:a16="http://schemas.microsoft.com/office/drawing/2014/main" xmlns="" id="{8CFD5FD8-68DC-457B-BDCA-B31AA3719884}"/>
               </a:ext>
             </a:extLst>
           </p:cNvPr>
@@ -4954,7 +5562,7 @@
           <p:cNvPr id="2050" name="Picture 2" descr="Exemplos de uso da tag img">
             <a:extLst>
               <a:ext uri="{FF2B5EF4-FFF2-40B4-BE49-F238E27FC236}">
-                <a16:creationId xmlns:a16="http://schemas.microsoft.com/office/drawing/2014/main" id="{ECF895B9-F18B-4D2F-A2F9-AF22348175B8}"/>
+                <a16:creationId xmlns:a16="http://schemas.microsoft.com/office/drawing/2014/main" xmlns="" id="{ECF895B9-F18B-4D2F-A2F9-AF22348175B8}"/>
               </a:ext>
             </a:extLst>
           </p:cNvPr>
@@ -5009,7 +5617,7 @@
 </p:sld>
 </file>
 
-<file path=ppt/slides/slide15.xml><?xml version="1.0" encoding="utf-8"?>
+<file path=ppt/slides/slide16.xml><?xml version="1.0" encoding="utf-8"?>
 <p:sld xmlns:a="http://schemas.openxmlformats.org/drawingml/2006/main" xmlns:r="http://schemas.openxmlformats.org/officeDocument/2006/relationships" xmlns:p="http://schemas.openxmlformats.org/presentationml/2006/main">
   <p:cSld>
     <p:spTree>
@@ -5031,7 +5639,7 @@
           <p:cNvPr id="2" name="Título 1">
             <a:extLst>
               <a:ext uri="{FF2B5EF4-FFF2-40B4-BE49-F238E27FC236}">
-                <a16:creationId xmlns:a16="http://schemas.microsoft.com/office/drawing/2014/main" id="{3B139141-65CD-4D49-BE60-F18B546C71F0}"/>
+                <a16:creationId xmlns:a16="http://schemas.microsoft.com/office/drawing/2014/main" xmlns="" id="{3B139141-65CD-4D49-BE60-F18B546C71F0}"/>
               </a:ext>
             </a:extLst>
           </p:cNvPr>
@@ -5056,7 +5664,7 @@
           <p:cNvPr id="3" name="Espaço Reservado para Conteúdo 2">
             <a:extLst>
               <a:ext uri="{FF2B5EF4-FFF2-40B4-BE49-F238E27FC236}">
-                <a16:creationId xmlns:a16="http://schemas.microsoft.com/office/drawing/2014/main" id="{8CA406B7-D4AD-4318-BE0A-DACDC04B00B1}"/>
+                <a16:creationId xmlns:a16="http://schemas.microsoft.com/office/drawing/2014/main" xmlns="" id="{8CA406B7-D4AD-4318-BE0A-DACDC04B00B1}"/>
               </a:ext>
             </a:extLst>
           </p:cNvPr>
@@ -5081,7 +5689,7 @@
           <p:cNvPr id="4" name="Imagem 3">
             <a:extLst>
               <a:ext uri="{FF2B5EF4-FFF2-40B4-BE49-F238E27FC236}">
-                <a16:creationId xmlns:a16="http://schemas.microsoft.com/office/drawing/2014/main" id="{26EEFEF6-A118-4EE0-B8EA-854681B9C30A}"/>
+                <a16:creationId xmlns:a16="http://schemas.microsoft.com/office/drawing/2014/main" xmlns="" id="{26EEFEF6-A118-4EE0-B8EA-854681B9C30A}"/>
               </a:ext>
             </a:extLst>
           </p:cNvPr>
@@ -5111,7 +5719,7 @@
           <p:cNvPr id="4098" name="Picture 2" descr="Textos com formatação especial">
             <a:extLst>
               <a:ext uri="{FF2B5EF4-FFF2-40B4-BE49-F238E27FC236}">
-                <a16:creationId xmlns:a16="http://schemas.microsoft.com/office/drawing/2014/main" id="{44C90A56-A2FA-4351-A4F8-01606DC84AA7}"/>
+                <a16:creationId xmlns:a16="http://schemas.microsoft.com/office/drawing/2014/main" xmlns="" id="{44C90A56-A2FA-4351-A4F8-01606DC84AA7}"/>
               </a:ext>
             </a:extLst>
           </p:cNvPr>
@@ -5158,7 +5766,7 @@
           <p:cNvPr id="5" name="Retângulo 4">
             <a:extLst>
               <a:ext uri="{FF2B5EF4-FFF2-40B4-BE49-F238E27FC236}">
-                <a16:creationId xmlns:a16="http://schemas.microsoft.com/office/drawing/2014/main" id="{4865A176-67FF-4973-BA0C-CA4EAC9507C6}"/>
+                <a16:creationId xmlns:a16="http://schemas.microsoft.com/office/drawing/2014/main" xmlns="" id="{4865A176-67FF-4973-BA0C-CA4EAC9507C6}"/>
               </a:ext>
             </a:extLst>
           </p:cNvPr>
@@ -5366,7 +5974,7 @@
           <p:cNvPr id="8" name="Título 1">
             <a:extLst>
               <a:ext uri="{FF2B5EF4-FFF2-40B4-BE49-F238E27FC236}">
-                <a16:creationId xmlns:a16="http://schemas.microsoft.com/office/drawing/2014/main" id="{8987CEB0-AC29-498D-B834-36676DC145C0}"/>
+                <a16:creationId xmlns:a16="http://schemas.microsoft.com/office/drawing/2014/main" xmlns="" id="{8987CEB0-AC29-498D-B834-36676DC145C0}"/>
               </a:ext>
             </a:extLst>
           </p:cNvPr>
@@ -5444,7 +6052,7 @@
 </p:sld>
 </file>
 
-<file path=ppt/slides/slide16.xml><?xml version="1.0" encoding="utf-8"?>
+<file path=ppt/slides/slide17.xml><?xml version="1.0" encoding="utf-8"?>
 <p:sld xmlns:a="http://schemas.openxmlformats.org/drawingml/2006/main" xmlns:r="http://schemas.openxmlformats.org/officeDocument/2006/relationships" xmlns:p="http://schemas.openxmlformats.org/presentationml/2006/main">
   <p:cSld>
     <p:spTree>
@@ -5466,7 +6074,7 @@
           <p:cNvPr id="2" name="Título 1">
             <a:extLst>
               <a:ext uri="{FF2B5EF4-FFF2-40B4-BE49-F238E27FC236}">
-                <a16:creationId xmlns:a16="http://schemas.microsoft.com/office/drawing/2014/main" id="{E014EB46-A317-42FF-BB37-A4149A873664}"/>
+                <a16:creationId xmlns:a16="http://schemas.microsoft.com/office/drawing/2014/main" xmlns="" id="{E014EB46-A317-42FF-BB37-A4149A873664}"/>
               </a:ext>
             </a:extLst>
           </p:cNvPr>
@@ -5495,7 +6103,7 @@
           <p:cNvPr id="4" name="Retângulo 3">
             <a:extLst>
               <a:ext uri="{FF2B5EF4-FFF2-40B4-BE49-F238E27FC236}">
-                <a16:creationId xmlns:a16="http://schemas.microsoft.com/office/drawing/2014/main" id="{855978CC-2E32-47E0-B046-7AC8201DE77C}"/>
+                <a16:creationId xmlns:a16="http://schemas.microsoft.com/office/drawing/2014/main" xmlns="" id="{855978CC-2E32-47E0-B046-7AC8201DE77C}"/>
               </a:ext>
             </a:extLst>
           </p:cNvPr>
@@ -5590,7 +6198,7 @@
           <p:cNvPr id="5" name="Imagem 4">
             <a:extLst>
               <a:ext uri="{FF2B5EF4-FFF2-40B4-BE49-F238E27FC236}">
-                <a16:creationId xmlns:a16="http://schemas.microsoft.com/office/drawing/2014/main" id="{2CFD3AA0-05CE-4B0F-99B3-6BA11A6EBE43}"/>
+                <a16:creationId xmlns:a16="http://schemas.microsoft.com/office/drawing/2014/main" xmlns="" id="{2CFD3AA0-05CE-4B0F-99B3-6BA11A6EBE43}"/>
               </a:ext>
             </a:extLst>
           </p:cNvPr>
@@ -5628,7 +6236,7 @@
 </p:sld>
 </file>
 
-<file path=ppt/slides/slide17.xml><?xml version="1.0" encoding="utf-8"?>
+<file path=ppt/slides/slide18.xml><?xml version="1.0" encoding="utf-8"?>
 <p:sld xmlns:a="http://schemas.openxmlformats.org/drawingml/2006/main" xmlns:r="http://schemas.openxmlformats.org/officeDocument/2006/relationships" xmlns:p="http://schemas.openxmlformats.org/presentationml/2006/main">
   <p:cSld>
     <p:spTree>
@@ -5650,7 +6258,7 @@
           <p:cNvPr id="2" name="Título 1">
             <a:extLst>
               <a:ext uri="{FF2B5EF4-FFF2-40B4-BE49-F238E27FC236}">
-                <a16:creationId xmlns:a16="http://schemas.microsoft.com/office/drawing/2014/main" id="{CF13886E-9521-4020-9A9E-6643EC33B45F}"/>
+                <a16:creationId xmlns:a16="http://schemas.microsoft.com/office/drawing/2014/main" xmlns="" id="{CF13886E-9521-4020-9A9E-6643EC33B45F}"/>
               </a:ext>
             </a:extLst>
           </p:cNvPr>
@@ -5678,7 +6286,7 @@
           <p:cNvPr id="3" name="Espaço Reservado para Conteúdo 2">
             <a:extLst>
               <a:ext uri="{FF2B5EF4-FFF2-40B4-BE49-F238E27FC236}">
-                <a16:creationId xmlns:a16="http://schemas.microsoft.com/office/drawing/2014/main" id="{AC5BFA3F-F09E-4526-9EFB-48A99EA1BF62}"/>
+                <a16:creationId xmlns:a16="http://schemas.microsoft.com/office/drawing/2014/main" xmlns="" id="{AC5BFA3F-F09E-4526-9EFB-48A99EA1BF62}"/>
               </a:ext>
             </a:extLst>
           </p:cNvPr>
@@ -5747,7 +6355,7 @@
           <p:cNvPr id="4" name="Imagem 3">
             <a:extLst>
               <a:ext uri="{FF2B5EF4-FFF2-40B4-BE49-F238E27FC236}">
-                <a16:creationId xmlns:a16="http://schemas.microsoft.com/office/drawing/2014/main" id="{87F7A572-D929-46D7-BFFF-C2E0C62A67B0}"/>
+                <a16:creationId xmlns:a16="http://schemas.microsoft.com/office/drawing/2014/main" xmlns="" id="{87F7A572-D929-46D7-BFFF-C2E0C62A67B0}"/>
               </a:ext>
             </a:extLst>
           </p:cNvPr>
@@ -5785,89 +6393,6 @@
 </p:sld>
 </file>
 
-<file path=ppt/slides/slide18.xml><?xml version="1.0" encoding="utf-8"?>
-<p:sld xmlns:a="http://schemas.openxmlformats.org/drawingml/2006/main" xmlns:r="http://schemas.openxmlformats.org/officeDocument/2006/relationships" xmlns:p="http://schemas.openxmlformats.org/presentationml/2006/main">
-  <p:cSld>
-    <p:spTree>
-      <p:nvGrpSpPr>
-        <p:cNvPr id="1" name=""/>
-        <p:cNvGrpSpPr/>
-        <p:nvPr/>
-      </p:nvGrpSpPr>
-      <p:grpSpPr>
-        <a:xfrm>
-          <a:off x="0" y="0"/>
-          <a:ext cx="0" cy="0"/>
-          <a:chOff x="0" y="0"/>
-          <a:chExt cx="0" cy="0"/>
-        </a:xfrm>
-      </p:grpSpPr>
-      <p:sp>
-        <p:nvSpPr>
-          <p:cNvPr id="2" name="Título 1">
-            <a:extLst>
-              <a:ext uri="{FF2B5EF4-FFF2-40B4-BE49-F238E27FC236}">
-                <a16:creationId xmlns:a16="http://schemas.microsoft.com/office/drawing/2014/main" id="{A2E911AF-ACE6-4C9B-A00D-831E705662DE}"/>
-              </a:ext>
-            </a:extLst>
-          </p:cNvPr>
-          <p:cNvSpPr>
-            <a:spLocks noGrp="1"/>
-          </p:cNvSpPr>
-          <p:nvPr>
-            <p:ph type="title"/>
-          </p:nvPr>
-        </p:nvSpPr>
-        <p:spPr/>
-        <p:txBody>
-          <a:bodyPr/>
-          <a:lstStyle/>
-          <a:p>
-            <a:r>
-              <a:rPr lang="pt-BR" dirty="0"/>
-              <a:t>Exemplo</a:t>
-            </a:r>
-          </a:p>
-        </p:txBody>
-      </p:sp>
-      <p:sp>
-        <p:nvSpPr>
-          <p:cNvPr id="3" name="Espaço Reservado para Conteúdo 2">
-            <a:extLst>
-              <a:ext uri="{FF2B5EF4-FFF2-40B4-BE49-F238E27FC236}">
-                <a16:creationId xmlns:a16="http://schemas.microsoft.com/office/drawing/2014/main" id="{050FFEB9-4C7E-4176-AC1A-F21BC03351B4}"/>
-              </a:ext>
-            </a:extLst>
-          </p:cNvPr>
-          <p:cNvSpPr>
-            <a:spLocks noGrp="1"/>
-          </p:cNvSpPr>
-          <p:nvPr>
-            <p:ph idx="1"/>
-          </p:nvPr>
-        </p:nvSpPr>
-        <p:spPr/>
-        <p:txBody>
-          <a:bodyPr/>
-          <a:lstStyle/>
-          <a:p>
-            <a:endParaRPr lang="pt-BR"/>
-          </a:p>
-        </p:txBody>
-      </p:sp>
-    </p:spTree>
-    <p:extLst>
-      <p:ext uri="{BB962C8B-B14F-4D97-AF65-F5344CB8AC3E}">
-        <p14:creationId xmlns:p14="http://schemas.microsoft.com/office/powerpoint/2010/main" val="3825160440"/>
-      </p:ext>
-    </p:extLst>
-  </p:cSld>
-  <p:clrMapOvr>
-    <a:masterClrMapping/>
-  </p:clrMapOvr>
-</p:sld>
-</file>
-
 <file path=ppt/slides/slide19.xml><?xml version="1.0" encoding="utf-8"?>
 <p:sld xmlns:a="http://schemas.openxmlformats.org/drawingml/2006/main" xmlns:r="http://schemas.openxmlformats.org/officeDocument/2006/relationships" xmlns:p="http://schemas.openxmlformats.org/presentationml/2006/main">
   <p:cSld>
@@ -5890,7 +6415,7 @@
           <p:cNvPr id="2" name="Título 1">
             <a:extLst>
               <a:ext uri="{FF2B5EF4-FFF2-40B4-BE49-F238E27FC236}">
-                <a16:creationId xmlns:a16="http://schemas.microsoft.com/office/drawing/2014/main" id="{3AEAB214-9C32-411C-9398-269D269FD9D8}"/>
+                <a16:creationId xmlns:a16="http://schemas.microsoft.com/office/drawing/2014/main" xmlns="" id="{A2E911AF-ACE6-4C9B-A00D-831E705662DE}"/>
               </a:ext>
             </a:extLst>
           </p:cNvPr>
@@ -5901,227 +6426,47 @@
             <p:ph type="title"/>
           </p:nvPr>
         </p:nvSpPr>
-        <p:spPr>
-          <a:xfrm>
-            <a:off x="0" y="-259286"/>
-            <a:ext cx="10058400" cy="1609344"/>
-          </a:xfrm>
-        </p:spPr>
+        <p:spPr/>
         <p:txBody>
           <a:bodyPr/>
           <a:lstStyle/>
           <a:p>
             <a:r>
-              <a:rPr lang="pt-BR" b="1" dirty="0"/>
-              <a:t>Tabelas no HTML</a:t>
-            </a:r>
-            <a:endParaRPr lang="pt-BR" dirty="0"/>
+              <a:rPr lang="pt-BR" dirty="0"/>
+              <a:t>Exemplo</a:t>
+            </a:r>
           </a:p>
         </p:txBody>
       </p:sp>
       <p:sp>
         <p:nvSpPr>
-          <p:cNvPr id="29" name="Retângulo 28">
+          <p:cNvPr id="3" name="Espaço Reservado para Conteúdo 2">
             <a:extLst>
               <a:ext uri="{FF2B5EF4-FFF2-40B4-BE49-F238E27FC236}">
-                <a16:creationId xmlns:a16="http://schemas.microsoft.com/office/drawing/2014/main" id="{94999220-2DB1-4268-9CB7-36A31BE34878}"/>
+                <a16:creationId xmlns:a16="http://schemas.microsoft.com/office/drawing/2014/main" xmlns="" id="{050FFEB9-4C7E-4176-AC1A-F21BC03351B4}"/>
               </a:ext>
             </a:extLst>
           </p:cNvPr>
-          <p:cNvSpPr/>
-          <p:nvPr/>
-        </p:nvSpPr>
-        <p:spPr>
-          <a:xfrm>
-            <a:off x="0" y="821086"/>
-            <a:ext cx="6096000" cy="2677656"/>
-          </a:xfrm>
-          <a:prstGeom prst="rect">
-            <a:avLst/>
-          </a:prstGeom>
-        </p:spPr>
+          <p:cNvSpPr>
+            <a:spLocks noGrp="1"/>
+          </p:cNvSpPr>
+          <p:nvPr>
+            <p:ph idx="1"/>
+          </p:nvPr>
+        </p:nvSpPr>
+        <p:spPr/>
         <p:txBody>
-          <a:bodyPr>
-            <a:spAutoFit/>
-          </a:bodyPr>
+          <a:bodyPr/>
           <a:lstStyle/>
           <a:p>
-            <a:pPr algn="just"/>
-            <a:r>
-              <a:rPr lang="pt-BR" sz="2400" u="sng" dirty="0">
-                <a:solidFill>
-                  <a:srgbClr val="253A44"/>
-                </a:solidFill>
-                <a:latin typeface="Source Serif Pro" panose="02040603050405020204" pitchFamily="18" charset="0"/>
-              </a:rPr>
-              <a:t>Tabelas são elementos utilizados com frequência para exibir dados de forma organizada em linhas e colunas. </a:t>
-            </a:r>
-            <a:r>
-              <a:rPr lang="pt-BR" sz="2400" dirty="0">
-                <a:solidFill>
-                  <a:srgbClr val="253A44"/>
-                </a:solidFill>
-                <a:latin typeface="Source Serif Pro" panose="02040603050405020204" pitchFamily="18" charset="0"/>
-              </a:rPr>
-              <a:t>No HTML, elas são formadas por três </a:t>
-            </a:r>
-            <a:r>
-              <a:rPr lang="pt-BR" sz="2400" dirty="0" err="1">
-                <a:solidFill>
-                  <a:srgbClr val="253A44"/>
-                </a:solidFill>
-                <a:latin typeface="Source Serif Pro" panose="02040603050405020204" pitchFamily="18" charset="0"/>
-              </a:rPr>
-              <a:t>tags</a:t>
-            </a:r>
-            <a:r>
-              <a:rPr lang="pt-BR" sz="2400" dirty="0">
-                <a:solidFill>
-                  <a:srgbClr val="253A44"/>
-                </a:solidFill>
-                <a:latin typeface="Source Serif Pro" panose="02040603050405020204" pitchFamily="18" charset="0"/>
-              </a:rPr>
-              <a:t> básicas: </a:t>
-            </a:r>
-            <a:r>
-              <a:rPr lang="pt-BR" sz="2400" dirty="0" err="1">
-                <a:solidFill>
-                  <a:srgbClr val="8795A2"/>
-                </a:solidFill>
-                <a:latin typeface="Roboto mono"/>
-              </a:rPr>
-              <a:t>table</a:t>
-            </a:r>
-            <a:r>
-              <a:rPr lang="pt-BR" sz="2400" dirty="0">
-                <a:solidFill>
-                  <a:srgbClr val="253A44"/>
-                </a:solidFill>
-                <a:latin typeface="Source Serif Pro" panose="02040603050405020204" pitchFamily="18" charset="0"/>
-              </a:rPr>
-              <a:t>, para delimitar a tabela; </a:t>
-            </a:r>
-            <a:r>
-              <a:rPr lang="pt-BR" sz="2400" dirty="0" err="1">
-                <a:solidFill>
-                  <a:srgbClr val="8795A2"/>
-                </a:solidFill>
-                <a:latin typeface="Roboto mono"/>
-              </a:rPr>
-              <a:t>tr</a:t>
-            </a:r>
-            <a:r>
-              <a:rPr lang="pt-BR" sz="2400" dirty="0">
-                <a:solidFill>
-                  <a:srgbClr val="253A44"/>
-                </a:solidFill>
-                <a:latin typeface="Source Serif Pro" panose="02040603050405020204" pitchFamily="18" charset="0"/>
-              </a:rPr>
-              <a:t>, para indicar as linhas; e </a:t>
-            </a:r>
-            <a:r>
-              <a:rPr lang="pt-BR" sz="2400" dirty="0" err="1">
-                <a:solidFill>
-                  <a:srgbClr val="8795A2"/>
-                </a:solidFill>
-                <a:latin typeface="Roboto mono"/>
-              </a:rPr>
-              <a:t>td</a:t>
-            </a:r>
-            <a:r>
-              <a:rPr lang="pt-BR" sz="2400" dirty="0">
-                <a:solidFill>
-                  <a:srgbClr val="253A44"/>
-                </a:solidFill>
-                <a:latin typeface="Source Serif Pro" panose="02040603050405020204" pitchFamily="18" charset="0"/>
-              </a:rPr>
-              <a:t> para formar as colunas. </a:t>
-            </a:r>
-            <a:endParaRPr lang="pt-BR" sz="2400" dirty="0"/>
+            <a:endParaRPr lang="pt-BR"/>
           </a:p>
         </p:txBody>
       </p:sp>
-      <p:pic>
-        <p:nvPicPr>
-          <p:cNvPr id="3" name="Imagem 2">
-            <a:extLst>
-              <a:ext uri="{FF2B5EF4-FFF2-40B4-BE49-F238E27FC236}">
-                <a16:creationId xmlns:a16="http://schemas.microsoft.com/office/drawing/2014/main" id="{74229354-94F4-485A-895D-E541AC3D57EF}"/>
-              </a:ext>
-            </a:extLst>
-          </p:cNvPr>
-          <p:cNvPicPr>
-            <a:picLocks noChangeAspect="1"/>
-          </p:cNvPicPr>
-          <p:nvPr/>
-        </p:nvPicPr>
-        <p:blipFill>
-          <a:blip r:embed="rId2"/>
-          <a:stretch>
-            <a:fillRect/>
-          </a:stretch>
-        </p:blipFill>
-        <p:spPr>
-          <a:xfrm>
-            <a:off x="6096001" y="139485"/>
-            <a:ext cx="6096000" cy="6718515"/>
-          </a:xfrm>
-          <a:prstGeom prst="rect">
-            <a:avLst/>
-          </a:prstGeom>
-        </p:spPr>
-      </p:pic>
-      <p:pic>
-        <p:nvPicPr>
-          <p:cNvPr id="2050" name="Picture 2" descr="Exemplo de tabela com três linhas e duas colunas">
-            <a:extLst>
-              <a:ext uri="{FF2B5EF4-FFF2-40B4-BE49-F238E27FC236}">
-                <a16:creationId xmlns:a16="http://schemas.microsoft.com/office/drawing/2014/main" id="{8B9F309B-EA43-43F3-AC81-927A3C944426}"/>
-              </a:ext>
-            </a:extLst>
-          </p:cNvPr>
-          <p:cNvPicPr>
-            <a:picLocks noChangeAspect="1" noChangeArrowheads="1"/>
-          </p:cNvPicPr>
-          <p:nvPr/>
-        </p:nvPicPr>
-        <p:blipFill>
-          <a:blip r:embed="rId3">
-            <a:extLst>
-              <a:ext uri="{28A0092B-C50C-407E-A947-70E740481C1C}">
-                <a14:useLocalDpi xmlns:a14="http://schemas.microsoft.com/office/drawing/2010/main" val="0"/>
-              </a:ext>
-            </a:extLst>
-          </a:blip>
-          <a:srcRect/>
-          <a:stretch>
-            <a:fillRect/>
-          </a:stretch>
-        </p:blipFill>
-        <p:spPr bwMode="auto">
-          <a:xfrm>
-            <a:off x="127700" y="3968536"/>
-            <a:ext cx="5286374" cy="3028949"/>
-          </a:xfrm>
-          <a:prstGeom prst="rect">
-            <a:avLst/>
-          </a:prstGeom>
-          <a:noFill/>
-          <a:extLst>
-            <a:ext uri="{909E8E84-426E-40DD-AFC4-6F175D3DCCD1}">
-              <a14:hiddenFill xmlns:a14="http://schemas.microsoft.com/office/drawing/2010/main">
-                <a:solidFill>
-                  <a:srgbClr val="FFFFFF"/>
-                </a:solidFill>
-              </a14:hiddenFill>
-            </a:ext>
-          </a:extLst>
-        </p:spPr>
-      </p:pic>
     </p:spTree>
     <p:extLst>
       <p:ext uri="{BB962C8B-B14F-4D97-AF65-F5344CB8AC3E}">
-        <p14:creationId xmlns:p14="http://schemas.microsoft.com/office/powerpoint/2010/main" val="159298740"/>
+        <p14:creationId xmlns:p14="http://schemas.microsoft.com/office/powerpoint/2010/main" val="3825160440"/>
       </p:ext>
     </p:extLst>
   </p:cSld>
@@ -6153,7 +6498,7 @@
           <p:cNvPr id="2" name="Título 1">
             <a:extLst>
               <a:ext uri="{FF2B5EF4-FFF2-40B4-BE49-F238E27FC236}">
-                <a16:creationId xmlns:a16="http://schemas.microsoft.com/office/drawing/2014/main" id="{98DD20BB-6149-4106-8719-419B572B3954}"/>
+                <a16:creationId xmlns:a16="http://schemas.microsoft.com/office/drawing/2014/main" xmlns="" id="{98DD20BB-6149-4106-8719-419B572B3954}"/>
               </a:ext>
             </a:extLst>
           </p:cNvPr>
@@ -6178,7 +6523,7 @@
           <p:cNvPr id="3" name="Espaço Reservado para Conteúdo 2">
             <a:extLst>
               <a:ext uri="{FF2B5EF4-FFF2-40B4-BE49-F238E27FC236}">
-                <a16:creationId xmlns:a16="http://schemas.microsoft.com/office/drawing/2014/main" id="{7B704069-B3A2-441B-A284-E40AE0A95539}"/>
+                <a16:creationId xmlns:a16="http://schemas.microsoft.com/office/drawing/2014/main" xmlns="" id="{7B704069-B3A2-441B-A284-E40AE0A95539}"/>
               </a:ext>
             </a:extLst>
           </p:cNvPr>
@@ -6203,7 +6548,7 @@
           <p:cNvPr id="4" name="Picture 4" descr="Resultado de imagem para html css javascript&quot;">
             <a:extLst>
               <a:ext uri="{FF2B5EF4-FFF2-40B4-BE49-F238E27FC236}">
-                <a16:creationId xmlns:a16="http://schemas.microsoft.com/office/drawing/2014/main" id="{59C0695A-5FEE-4086-A711-90F06E878BA4}"/>
+                <a16:creationId xmlns:a16="http://schemas.microsoft.com/office/drawing/2014/main" xmlns="" id="{59C0695A-5FEE-4086-A711-90F06E878BA4}"/>
               </a:ext>
             </a:extLst>
           </p:cNvPr>
@@ -6227,8 +6572,8 @@
         </p:blipFill>
         <p:spPr bwMode="auto">
           <a:xfrm>
-            <a:off x="1412749" y="1289304"/>
-            <a:ext cx="8558784" cy="4279392"/>
+            <a:off x="1018853" y="1007951"/>
+            <a:ext cx="9778100" cy="4889050"/>
           </a:xfrm>
           <a:prstGeom prst="rect">
             <a:avLst/>
@@ -6435,7 +6780,7 @@
           <p:cNvPr id="2" name="Título 1">
             <a:extLst>
               <a:ext uri="{FF2B5EF4-FFF2-40B4-BE49-F238E27FC236}">
-                <a16:creationId xmlns:a16="http://schemas.microsoft.com/office/drawing/2014/main" id="{3AEAB214-9C32-411C-9398-269D269FD9D8}"/>
+                <a16:creationId xmlns:a16="http://schemas.microsoft.com/office/drawing/2014/main" xmlns="" id="{3AEAB214-9C32-411C-9398-269D269FD9D8}"/>
               </a:ext>
             </a:extLst>
           </p:cNvPr>
@@ -6448,6 +6793,269 @@
         </p:nvSpPr>
         <p:spPr>
           <a:xfrm>
+            <a:off x="0" y="-259286"/>
+            <a:ext cx="10058400" cy="1609344"/>
+          </a:xfrm>
+        </p:spPr>
+        <p:txBody>
+          <a:bodyPr/>
+          <a:lstStyle/>
+          <a:p>
+            <a:r>
+              <a:rPr lang="pt-BR" b="1" dirty="0"/>
+              <a:t>Tabelas no HTML</a:t>
+            </a:r>
+            <a:endParaRPr lang="pt-BR" dirty="0"/>
+          </a:p>
+        </p:txBody>
+      </p:sp>
+      <p:sp>
+        <p:nvSpPr>
+          <p:cNvPr id="29" name="Retângulo 28">
+            <a:extLst>
+              <a:ext uri="{FF2B5EF4-FFF2-40B4-BE49-F238E27FC236}">
+                <a16:creationId xmlns:a16="http://schemas.microsoft.com/office/drawing/2014/main" xmlns="" id="{94999220-2DB1-4268-9CB7-36A31BE34878}"/>
+              </a:ext>
+            </a:extLst>
+          </p:cNvPr>
+          <p:cNvSpPr/>
+          <p:nvPr/>
+        </p:nvSpPr>
+        <p:spPr>
+          <a:xfrm>
+            <a:off x="0" y="821086"/>
+            <a:ext cx="6096000" cy="2677656"/>
+          </a:xfrm>
+          <a:prstGeom prst="rect">
+            <a:avLst/>
+          </a:prstGeom>
+        </p:spPr>
+        <p:txBody>
+          <a:bodyPr>
+            <a:spAutoFit/>
+          </a:bodyPr>
+          <a:lstStyle/>
+          <a:p>
+            <a:pPr algn="just"/>
+            <a:r>
+              <a:rPr lang="pt-BR" sz="2400" u="sng" dirty="0">
+                <a:solidFill>
+                  <a:srgbClr val="253A44"/>
+                </a:solidFill>
+                <a:latin typeface="Source Serif Pro" panose="02040603050405020204" pitchFamily="18" charset="0"/>
+              </a:rPr>
+              <a:t>Tabelas são elementos utilizados com frequência para exibir dados de forma organizada em linhas e colunas. </a:t>
+            </a:r>
+            <a:r>
+              <a:rPr lang="pt-BR" sz="2400" dirty="0">
+                <a:solidFill>
+                  <a:srgbClr val="253A44"/>
+                </a:solidFill>
+                <a:latin typeface="Source Serif Pro" panose="02040603050405020204" pitchFamily="18" charset="0"/>
+              </a:rPr>
+              <a:t>No HTML, elas são formadas por três </a:t>
+            </a:r>
+            <a:r>
+              <a:rPr lang="pt-BR" sz="2400" dirty="0" err="1">
+                <a:solidFill>
+                  <a:srgbClr val="253A44"/>
+                </a:solidFill>
+                <a:latin typeface="Source Serif Pro" panose="02040603050405020204" pitchFamily="18" charset="0"/>
+              </a:rPr>
+              <a:t>tags</a:t>
+            </a:r>
+            <a:r>
+              <a:rPr lang="pt-BR" sz="2400" dirty="0">
+                <a:solidFill>
+                  <a:srgbClr val="253A44"/>
+                </a:solidFill>
+                <a:latin typeface="Source Serif Pro" panose="02040603050405020204" pitchFamily="18" charset="0"/>
+              </a:rPr>
+              <a:t> básicas: </a:t>
+            </a:r>
+            <a:r>
+              <a:rPr lang="pt-BR" sz="2400" dirty="0" err="1">
+                <a:solidFill>
+                  <a:srgbClr val="8795A2"/>
+                </a:solidFill>
+                <a:latin typeface="Roboto mono"/>
+              </a:rPr>
+              <a:t>table</a:t>
+            </a:r>
+            <a:r>
+              <a:rPr lang="pt-BR" sz="2400" dirty="0">
+                <a:solidFill>
+                  <a:srgbClr val="253A44"/>
+                </a:solidFill>
+                <a:latin typeface="Source Serif Pro" panose="02040603050405020204" pitchFamily="18" charset="0"/>
+              </a:rPr>
+              <a:t>, para delimitar a tabela; </a:t>
+            </a:r>
+            <a:r>
+              <a:rPr lang="pt-BR" sz="2400" dirty="0" err="1">
+                <a:solidFill>
+                  <a:srgbClr val="8795A2"/>
+                </a:solidFill>
+                <a:latin typeface="Roboto mono"/>
+              </a:rPr>
+              <a:t>tr</a:t>
+            </a:r>
+            <a:r>
+              <a:rPr lang="pt-BR" sz="2400" dirty="0">
+                <a:solidFill>
+                  <a:srgbClr val="253A44"/>
+                </a:solidFill>
+                <a:latin typeface="Source Serif Pro" panose="02040603050405020204" pitchFamily="18" charset="0"/>
+              </a:rPr>
+              <a:t>, para indicar as linhas; e </a:t>
+            </a:r>
+            <a:r>
+              <a:rPr lang="pt-BR" sz="2400" dirty="0" err="1">
+                <a:solidFill>
+                  <a:srgbClr val="8795A2"/>
+                </a:solidFill>
+                <a:latin typeface="Roboto mono"/>
+              </a:rPr>
+              <a:t>td</a:t>
+            </a:r>
+            <a:r>
+              <a:rPr lang="pt-BR" sz="2400" dirty="0">
+                <a:solidFill>
+                  <a:srgbClr val="253A44"/>
+                </a:solidFill>
+                <a:latin typeface="Source Serif Pro" panose="02040603050405020204" pitchFamily="18" charset="0"/>
+              </a:rPr>
+              <a:t> para formar as colunas. </a:t>
+            </a:r>
+            <a:endParaRPr lang="pt-BR" sz="2400" dirty="0"/>
+          </a:p>
+        </p:txBody>
+      </p:sp>
+      <p:pic>
+        <p:nvPicPr>
+          <p:cNvPr id="3" name="Imagem 2">
+            <a:extLst>
+              <a:ext uri="{FF2B5EF4-FFF2-40B4-BE49-F238E27FC236}">
+                <a16:creationId xmlns:a16="http://schemas.microsoft.com/office/drawing/2014/main" xmlns="" id="{74229354-94F4-485A-895D-E541AC3D57EF}"/>
+              </a:ext>
+            </a:extLst>
+          </p:cNvPr>
+          <p:cNvPicPr>
+            <a:picLocks noChangeAspect="1"/>
+          </p:cNvPicPr>
+          <p:nvPr/>
+        </p:nvPicPr>
+        <p:blipFill>
+          <a:blip r:embed="rId2"/>
+          <a:stretch>
+            <a:fillRect/>
+          </a:stretch>
+        </p:blipFill>
+        <p:spPr>
+          <a:xfrm>
+            <a:off x="6096001" y="139485"/>
+            <a:ext cx="6096000" cy="6718515"/>
+          </a:xfrm>
+          <a:prstGeom prst="rect">
+            <a:avLst/>
+          </a:prstGeom>
+        </p:spPr>
+      </p:pic>
+      <p:pic>
+        <p:nvPicPr>
+          <p:cNvPr id="2050" name="Picture 2" descr="Exemplo de tabela com três linhas e duas colunas">
+            <a:extLst>
+              <a:ext uri="{FF2B5EF4-FFF2-40B4-BE49-F238E27FC236}">
+                <a16:creationId xmlns:a16="http://schemas.microsoft.com/office/drawing/2014/main" xmlns="" id="{8B9F309B-EA43-43F3-AC81-927A3C944426}"/>
+              </a:ext>
+            </a:extLst>
+          </p:cNvPr>
+          <p:cNvPicPr>
+            <a:picLocks noChangeAspect="1" noChangeArrowheads="1"/>
+          </p:cNvPicPr>
+          <p:nvPr/>
+        </p:nvPicPr>
+        <p:blipFill>
+          <a:blip r:embed="rId3">
+            <a:extLst>
+              <a:ext uri="{28A0092B-C50C-407E-A947-70E740481C1C}">
+                <a14:useLocalDpi xmlns:a14="http://schemas.microsoft.com/office/drawing/2010/main" val="0"/>
+              </a:ext>
+            </a:extLst>
+          </a:blip>
+          <a:srcRect/>
+          <a:stretch>
+            <a:fillRect/>
+          </a:stretch>
+        </p:blipFill>
+        <p:spPr bwMode="auto">
+          <a:xfrm>
+            <a:off x="127700" y="3968536"/>
+            <a:ext cx="5286374" cy="3028949"/>
+          </a:xfrm>
+          <a:prstGeom prst="rect">
+            <a:avLst/>
+          </a:prstGeom>
+          <a:noFill/>
+          <a:extLst>
+            <a:ext uri="{909E8E84-426E-40DD-AFC4-6F175D3DCCD1}">
+              <a14:hiddenFill xmlns:a14="http://schemas.microsoft.com/office/drawing/2010/main">
+                <a:solidFill>
+                  <a:srgbClr val="FFFFFF"/>
+                </a:solidFill>
+              </a14:hiddenFill>
+            </a:ext>
+          </a:extLst>
+        </p:spPr>
+      </p:pic>
+    </p:spTree>
+    <p:extLst>
+      <p:ext uri="{BB962C8B-B14F-4D97-AF65-F5344CB8AC3E}">
+        <p14:creationId xmlns:p14="http://schemas.microsoft.com/office/powerpoint/2010/main" val="159298740"/>
+      </p:ext>
+    </p:extLst>
+  </p:cSld>
+  <p:clrMapOvr>
+    <a:masterClrMapping/>
+  </p:clrMapOvr>
+</p:sld>
+</file>
+
+<file path=ppt/slides/slide21.xml><?xml version="1.0" encoding="utf-8"?>
+<p:sld xmlns:a="http://schemas.openxmlformats.org/drawingml/2006/main" xmlns:r="http://schemas.openxmlformats.org/officeDocument/2006/relationships" xmlns:p="http://schemas.openxmlformats.org/presentationml/2006/main">
+  <p:cSld>
+    <p:spTree>
+      <p:nvGrpSpPr>
+        <p:cNvPr id="1" name=""/>
+        <p:cNvGrpSpPr/>
+        <p:nvPr/>
+      </p:nvGrpSpPr>
+      <p:grpSpPr>
+        <a:xfrm>
+          <a:off x="0" y="0"/>
+          <a:ext cx="0" cy="0"/>
+          <a:chOff x="0" y="0"/>
+          <a:chExt cx="0" cy="0"/>
+        </a:xfrm>
+      </p:grpSpPr>
+      <p:sp>
+        <p:nvSpPr>
+          <p:cNvPr id="2" name="Título 1">
+            <a:extLst>
+              <a:ext uri="{FF2B5EF4-FFF2-40B4-BE49-F238E27FC236}">
+                <a16:creationId xmlns:a16="http://schemas.microsoft.com/office/drawing/2014/main" xmlns="" id="{3AEAB214-9C32-411C-9398-269D269FD9D8}"/>
+              </a:ext>
+            </a:extLst>
+          </p:cNvPr>
+          <p:cNvSpPr>
+            <a:spLocks noGrp="1"/>
+          </p:cNvSpPr>
+          <p:nvPr>
+            <p:ph type="title"/>
+          </p:nvPr>
+        </p:nvSpPr>
+        <p:spPr>
+          <a:xfrm>
             <a:off x="0" y="-228290"/>
             <a:ext cx="10058400" cy="1609344"/>
           </a:xfrm>
@@ -6469,7 +7077,7 @@
           <p:cNvPr id="29" name="Retângulo 28">
             <a:extLst>
               <a:ext uri="{FF2B5EF4-FFF2-40B4-BE49-F238E27FC236}">
-                <a16:creationId xmlns:a16="http://schemas.microsoft.com/office/drawing/2014/main" id="{94999220-2DB1-4268-9CB7-36A31BE34878}"/>
+                <a16:creationId xmlns:a16="http://schemas.microsoft.com/office/drawing/2014/main" xmlns="" id="{94999220-2DB1-4268-9CB7-36A31BE34878}"/>
               </a:ext>
             </a:extLst>
           </p:cNvPr>
@@ -6599,7 +7207,7 @@
           <p:cNvPr id="6" name="Imagem 5">
             <a:extLst>
               <a:ext uri="{FF2B5EF4-FFF2-40B4-BE49-F238E27FC236}">
-                <a16:creationId xmlns:a16="http://schemas.microsoft.com/office/drawing/2014/main" id="{EB4C93FB-A562-438E-B3FE-59448A484FB7}"/>
+                <a16:creationId xmlns:a16="http://schemas.microsoft.com/office/drawing/2014/main" xmlns="" id="{EB4C93FB-A562-438E-B3FE-59448A484FB7}"/>
               </a:ext>
             </a:extLst>
           </p:cNvPr>
@@ -6629,7 +7237,7 @@
           <p:cNvPr id="1028" name="Picture 4" descr="Tabela com cabeçalho e rodapé">
             <a:extLst>
               <a:ext uri="{FF2B5EF4-FFF2-40B4-BE49-F238E27FC236}">
-                <a16:creationId xmlns:a16="http://schemas.microsoft.com/office/drawing/2014/main" id="{3F2D98CF-3164-407B-97AE-E854A2EA6C46}"/>
+                <a16:creationId xmlns:a16="http://schemas.microsoft.com/office/drawing/2014/main" xmlns="" id="{3F2D98CF-3164-407B-97AE-E854A2EA6C46}"/>
               </a:ext>
             </a:extLst>
           </p:cNvPr>
@@ -6676,7 +7284,7 @@
           <p:cNvPr id="7" name="Retângulo 6">
             <a:extLst>
               <a:ext uri="{FF2B5EF4-FFF2-40B4-BE49-F238E27FC236}">
-                <a16:creationId xmlns:a16="http://schemas.microsoft.com/office/drawing/2014/main" id="{C7F3504F-969B-4A39-84BD-0FBD563C0A90}"/>
+                <a16:creationId xmlns:a16="http://schemas.microsoft.com/office/drawing/2014/main" xmlns="" id="{C7F3504F-969B-4A39-84BD-0FBD563C0A90}"/>
               </a:ext>
             </a:extLst>
           </p:cNvPr>
@@ -6736,7 +7344,7 @@
 </p:sld>
 </file>
 
-<file path=ppt/slides/slide21.xml><?xml version="1.0" encoding="utf-8"?>
+<file path=ppt/slides/slide22.xml><?xml version="1.0" encoding="utf-8"?>
 <p:sld xmlns:a="http://schemas.openxmlformats.org/drawingml/2006/main" xmlns:r="http://schemas.openxmlformats.org/officeDocument/2006/relationships" xmlns:p="http://schemas.openxmlformats.org/presentationml/2006/main">
   <p:cSld>
     <p:spTree>
@@ -6758,7 +7366,7 @@
           <p:cNvPr id="2" name="Título 1">
             <a:extLst>
               <a:ext uri="{FF2B5EF4-FFF2-40B4-BE49-F238E27FC236}">
-                <a16:creationId xmlns:a16="http://schemas.microsoft.com/office/drawing/2014/main" id="{B1F7F7FF-2E8F-4F34-AD60-2CEDD900D626}"/>
+                <a16:creationId xmlns:a16="http://schemas.microsoft.com/office/drawing/2014/main" xmlns="" id="{B1F7F7FF-2E8F-4F34-AD60-2CEDD900D626}"/>
               </a:ext>
             </a:extLst>
           </p:cNvPr>
@@ -6792,7 +7400,7 @@
           <p:cNvPr id="4" name="Retângulo 3">
             <a:extLst>
               <a:ext uri="{FF2B5EF4-FFF2-40B4-BE49-F238E27FC236}">
-                <a16:creationId xmlns:a16="http://schemas.microsoft.com/office/drawing/2014/main" id="{30B606F9-DE82-4294-BA14-4F7BF4A734D2}"/>
+                <a16:creationId xmlns:a16="http://schemas.microsoft.com/office/drawing/2014/main" xmlns="" id="{30B606F9-DE82-4294-BA14-4F7BF4A734D2}"/>
               </a:ext>
             </a:extLst>
           </p:cNvPr>
@@ -7040,7 +7648,7 @@
           <p:cNvPr id="5" name="Imagem 4">
             <a:extLst>
               <a:ext uri="{FF2B5EF4-FFF2-40B4-BE49-F238E27FC236}">
-                <a16:creationId xmlns:a16="http://schemas.microsoft.com/office/drawing/2014/main" id="{1C9C0748-8AB6-4D09-85CA-4FE503D844AA}"/>
+                <a16:creationId xmlns:a16="http://schemas.microsoft.com/office/drawing/2014/main" xmlns="" id="{1C9C0748-8AB6-4D09-85CA-4FE503D844AA}"/>
               </a:ext>
             </a:extLst>
           </p:cNvPr>
@@ -7070,7 +7678,7 @@
           <p:cNvPr id="6" name="Imagem 5">
             <a:extLst>
               <a:ext uri="{FF2B5EF4-FFF2-40B4-BE49-F238E27FC236}">
-                <a16:creationId xmlns:a16="http://schemas.microsoft.com/office/drawing/2014/main" id="{A2E7AA80-4262-413F-AEC6-8473C3487916}"/>
+                <a16:creationId xmlns:a16="http://schemas.microsoft.com/office/drawing/2014/main" xmlns="" id="{A2E7AA80-4262-413F-AEC6-8473C3487916}"/>
               </a:ext>
             </a:extLst>
           </p:cNvPr>
@@ -7100,7 +7708,7 @@
           <p:cNvPr id="3074" name="Picture 2" descr="Listas ordenada e não ordenada">
             <a:extLst>
               <a:ext uri="{FF2B5EF4-FFF2-40B4-BE49-F238E27FC236}">
-                <a16:creationId xmlns:a16="http://schemas.microsoft.com/office/drawing/2014/main" id="{D1619909-2039-4383-B095-FCCE73E7897D}"/>
+                <a16:creationId xmlns:a16="http://schemas.microsoft.com/office/drawing/2014/main" xmlns="" id="{D1619909-2039-4383-B095-FCCE73E7897D}"/>
               </a:ext>
             </a:extLst>
           </p:cNvPr>
@@ -7155,7 +7763,7 @@
 </p:sld>
 </file>
 
-<file path=ppt/slides/slide22.xml><?xml version="1.0" encoding="utf-8"?>
+<file path=ppt/slides/slide23.xml><?xml version="1.0" encoding="utf-8"?>
 <p:sld xmlns:a="http://schemas.openxmlformats.org/drawingml/2006/main" xmlns:r="http://schemas.openxmlformats.org/officeDocument/2006/relationships" xmlns:p="http://schemas.openxmlformats.org/presentationml/2006/main">
   <p:cSld>
     <p:bg>
@@ -7182,7 +7790,7 @@
           <p:cNvPr id="2" name="Título 1">
             <a:extLst>
               <a:ext uri="{FF2B5EF4-FFF2-40B4-BE49-F238E27FC236}">
-                <a16:creationId xmlns:a16="http://schemas.microsoft.com/office/drawing/2014/main" id="{B1F7F7FF-2E8F-4F34-AD60-2CEDD900D626}"/>
+                <a16:creationId xmlns:a16="http://schemas.microsoft.com/office/drawing/2014/main" xmlns="" id="{B1F7F7FF-2E8F-4F34-AD60-2CEDD900D626}"/>
               </a:ext>
             </a:extLst>
           </p:cNvPr>
@@ -7216,7 +7824,7 @@
           <p:cNvPr id="4" name="Retângulo 3">
             <a:extLst>
               <a:ext uri="{FF2B5EF4-FFF2-40B4-BE49-F238E27FC236}">
-                <a16:creationId xmlns:a16="http://schemas.microsoft.com/office/drawing/2014/main" id="{30B606F9-DE82-4294-BA14-4F7BF4A734D2}"/>
+                <a16:creationId xmlns:a16="http://schemas.microsoft.com/office/drawing/2014/main" xmlns="" id="{30B606F9-DE82-4294-BA14-4F7BF4A734D2}"/>
               </a:ext>
             </a:extLst>
           </p:cNvPr>
@@ -7274,7 +7882,7 @@
           <p:cNvPr id="3" name="Imagem 2">
             <a:extLst>
               <a:ext uri="{FF2B5EF4-FFF2-40B4-BE49-F238E27FC236}">
-                <a16:creationId xmlns:a16="http://schemas.microsoft.com/office/drawing/2014/main" id="{63C2BF76-4831-4F50-B57C-9F1FA75E3C95}"/>
+                <a16:creationId xmlns:a16="http://schemas.microsoft.com/office/drawing/2014/main" xmlns="" id="{63C2BF76-4831-4F50-B57C-9F1FA75E3C95}"/>
               </a:ext>
             </a:extLst>
           </p:cNvPr>
@@ -7304,7 +7912,7 @@
           <p:cNvPr id="7" name="Imagem 6">
             <a:extLst>
               <a:ext uri="{FF2B5EF4-FFF2-40B4-BE49-F238E27FC236}">
-                <a16:creationId xmlns:a16="http://schemas.microsoft.com/office/drawing/2014/main" id="{4701FEC4-2368-48DF-9A3D-20823D742A38}"/>
+                <a16:creationId xmlns:a16="http://schemas.microsoft.com/office/drawing/2014/main" xmlns="" id="{4701FEC4-2368-48DF-9A3D-20823D742A38}"/>
               </a:ext>
             </a:extLst>
           </p:cNvPr>
@@ -7342,7 +7950,7 @@
 </p:sld>
 </file>
 
-<file path=ppt/slides/slide23.xml><?xml version="1.0" encoding="utf-8"?>
+<file path=ppt/slides/slide24.xml><?xml version="1.0" encoding="utf-8"?>
 <p:sld xmlns:a="http://schemas.openxmlformats.org/drawingml/2006/main" xmlns:r="http://schemas.openxmlformats.org/officeDocument/2006/relationships" xmlns:p="http://schemas.openxmlformats.org/presentationml/2006/main">
   <p:cSld>
     <p:spTree>
@@ -7364,7 +7972,7 @@
           <p:cNvPr id="2" name="Título 1">
             <a:extLst>
               <a:ext uri="{FF2B5EF4-FFF2-40B4-BE49-F238E27FC236}">
-                <a16:creationId xmlns:a16="http://schemas.microsoft.com/office/drawing/2014/main" id="{472C4C92-1284-4658-8080-FDD7F0C216F1}"/>
+                <a16:creationId xmlns:a16="http://schemas.microsoft.com/office/drawing/2014/main" xmlns="" id="{472C4C92-1284-4658-8080-FDD7F0C216F1}"/>
               </a:ext>
             </a:extLst>
           </p:cNvPr>
@@ -7401,7 +8009,7 @@
           <p:cNvPr id="4" name="Retângulo 3">
             <a:extLst>
               <a:ext uri="{FF2B5EF4-FFF2-40B4-BE49-F238E27FC236}">
-                <a16:creationId xmlns:a16="http://schemas.microsoft.com/office/drawing/2014/main" id="{C8EDC1B0-4A69-4ACB-93D5-34316B23ABAC}"/>
+                <a16:creationId xmlns:a16="http://schemas.microsoft.com/office/drawing/2014/main" xmlns="" id="{C8EDC1B0-4A69-4ACB-93D5-34316B23ABAC}"/>
               </a:ext>
             </a:extLst>
           </p:cNvPr>
@@ -7550,7 +8158,7 @@
           <p:cNvPr id="9" name="Imagem 8">
             <a:extLst>
               <a:ext uri="{FF2B5EF4-FFF2-40B4-BE49-F238E27FC236}">
-                <a16:creationId xmlns:a16="http://schemas.microsoft.com/office/drawing/2014/main" id="{520B6906-E04B-4182-8702-DB7FFB524060}"/>
+                <a16:creationId xmlns:a16="http://schemas.microsoft.com/office/drawing/2014/main" xmlns="" id="{520B6906-E04B-4182-8702-DB7FFB524060}"/>
               </a:ext>
             </a:extLst>
           </p:cNvPr>
@@ -7588,7 +8196,7 @@
 </p:sld>
 </file>
 
-<file path=ppt/slides/slide24.xml><?xml version="1.0" encoding="utf-8"?>
+<file path=ppt/slides/slide25.xml><?xml version="1.0" encoding="utf-8"?>
 <p:sld xmlns:a="http://schemas.openxmlformats.org/drawingml/2006/main" xmlns:r="http://schemas.openxmlformats.org/officeDocument/2006/relationships" xmlns:p="http://schemas.openxmlformats.org/presentationml/2006/main">
   <p:cSld>
     <p:spTree>
@@ -7610,7 +8218,7 @@
           <p:cNvPr id="2" name="Título 1">
             <a:extLst>
               <a:ext uri="{FF2B5EF4-FFF2-40B4-BE49-F238E27FC236}">
-                <a16:creationId xmlns:a16="http://schemas.microsoft.com/office/drawing/2014/main" id="{B817CDE0-5B11-4AE5-BC0F-CA778F5F2ABC}"/>
+                <a16:creationId xmlns:a16="http://schemas.microsoft.com/office/drawing/2014/main" xmlns="" id="{B817CDE0-5B11-4AE5-BC0F-CA778F5F2ABC}"/>
               </a:ext>
             </a:extLst>
           </p:cNvPr>
@@ -7647,7 +8255,7 @@
           <p:cNvPr id="5" name="Retângulo 4">
             <a:extLst>
               <a:ext uri="{FF2B5EF4-FFF2-40B4-BE49-F238E27FC236}">
-                <a16:creationId xmlns:a16="http://schemas.microsoft.com/office/drawing/2014/main" id="{82E25790-71D1-461D-8DFC-552BA26C4CB6}"/>
+                <a16:creationId xmlns:a16="http://schemas.microsoft.com/office/drawing/2014/main" xmlns="" id="{82E25790-71D1-461D-8DFC-552BA26C4CB6}"/>
               </a:ext>
             </a:extLst>
           </p:cNvPr>
@@ -7759,7 +8367,7 @@
           <p:cNvPr id="8" name="Retângulo 7">
             <a:extLst>
               <a:ext uri="{FF2B5EF4-FFF2-40B4-BE49-F238E27FC236}">
-                <a16:creationId xmlns:a16="http://schemas.microsoft.com/office/drawing/2014/main" id="{F0686901-0CE6-4FE5-AFFB-932A3F57352F}"/>
+                <a16:creationId xmlns:a16="http://schemas.microsoft.com/office/drawing/2014/main" xmlns="" id="{F0686901-0CE6-4FE5-AFFB-932A3F57352F}"/>
               </a:ext>
             </a:extLst>
           </p:cNvPr>
@@ -7960,258 +8568,6 @@
     <p:extLst>
       <p:ext uri="{BB962C8B-B14F-4D97-AF65-F5344CB8AC3E}">
         <p14:creationId xmlns:p14="http://schemas.microsoft.com/office/powerpoint/2010/main" val="1290966220"/>
-      </p:ext>
-    </p:extLst>
-  </p:cSld>
-  <p:clrMapOvr>
-    <a:masterClrMapping/>
-  </p:clrMapOvr>
-</p:sld>
-</file>
-
-<file path=ppt/slides/slide25.xml><?xml version="1.0" encoding="utf-8"?>
-<p:sld xmlns:a="http://schemas.openxmlformats.org/drawingml/2006/main" xmlns:r="http://schemas.openxmlformats.org/officeDocument/2006/relationships" xmlns:p="http://schemas.openxmlformats.org/presentationml/2006/main">
-  <p:cSld>
-    <p:spTree>
-      <p:nvGrpSpPr>
-        <p:cNvPr id="1" name=""/>
-        <p:cNvGrpSpPr/>
-        <p:nvPr/>
-      </p:nvGrpSpPr>
-      <p:grpSpPr>
-        <a:xfrm>
-          <a:off x="0" y="0"/>
-          <a:ext cx="0" cy="0"/>
-          <a:chOff x="0" y="0"/>
-          <a:chExt cx="0" cy="0"/>
-        </a:xfrm>
-      </p:grpSpPr>
-      <p:sp>
-        <p:nvSpPr>
-          <p:cNvPr id="2" name="Título 1">
-            <a:extLst>
-              <a:ext uri="{FF2B5EF4-FFF2-40B4-BE49-F238E27FC236}">
-                <a16:creationId xmlns:a16="http://schemas.microsoft.com/office/drawing/2014/main" id="{A8F7A9EA-3519-4B41-BD29-2C6E686B6159}"/>
-              </a:ext>
-            </a:extLst>
-          </p:cNvPr>
-          <p:cNvSpPr>
-            <a:spLocks noGrp="1"/>
-          </p:cNvSpPr>
-          <p:nvPr>
-            <p:ph type="title"/>
-          </p:nvPr>
-        </p:nvSpPr>
-        <p:spPr>
-          <a:xfrm>
-            <a:off x="0" y="-296418"/>
-            <a:ext cx="10058400" cy="1609344"/>
-          </a:xfrm>
-        </p:spPr>
-        <p:txBody>
-          <a:bodyPr/>
-          <a:lstStyle/>
-          <a:p>
-            <a:r>
-              <a:rPr lang="pt-BR" dirty="0" err="1"/>
-              <a:t>Tag</a:t>
-            </a:r>
-            <a:r>
-              <a:rPr lang="pt-BR" dirty="0"/>
-              <a:t> DIV</a:t>
-            </a:r>
-          </a:p>
-        </p:txBody>
-      </p:sp>
-      <p:sp>
-        <p:nvSpPr>
-          <p:cNvPr id="4" name="Retângulo 3">
-            <a:extLst>
-              <a:ext uri="{FF2B5EF4-FFF2-40B4-BE49-F238E27FC236}">
-                <a16:creationId xmlns:a16="http://schemas.microsoft.com/office/drawing/2014/main" id="{AC6E88B6-7C4A-4415-B509-97F6F39D1D5F}"/>
-              </a:ext>
-            </a:extLst>
-          </p:cNvPr>
-          <p:cNvSpPr/>
-          <p:nvPr/>
-        </p:nvSpPr>
-        <p:spPr>
-          <a:xfrm>
-            <a:off x="0" y="1073140"/>
-            <a:ext cx="12192000" cy="3970318"/>
-          </a:xfrm>
-          <a:prstGeom prst="rect">
-            <a:avLst/>
-          </a:prstGeom>
-        </p:spPr>
-        <p:txBody>
-          <a:bodyPr wrap="square">
-            <a:spAutoFit/>
-          </a:bodyPr>
-          <a:lstStyle/>
-          <a:p>
-            <a:pPr algn="just"/>
-            <a:r>
-              <a:rPr lang="pt-BR" sz="2800" dirty="0">
-                <a:solidFill>
-                  <a:srgbClr val="253A44"/>
-                </a:solidFill>
-                <a:latin typeface="Source Serif Pro" panose="02040603050405020204" pitchFamily="18" charset="0"/>
-              </a:rPr>
-              <a:t>As </a:t>
-            </a:r>
-            <a:r>
-              <a:rPr lang="pt-BR" sz="2800" dirty="0" err="1">
-                <a:solidFill>
-                  <a:srgbClr val="253A44"/>
-                </a:solidFill>
-                <a:latin typeface="Source Serif Pro" panose="02040603050405020204" pitchFamily="18" charset="0"/>
-              </a:rPr>
-              <a:t>divs</a:t>
-            </a:r>
-            <a:r>
-              <a:rPr lang="pt-BR" sz="2800" dirty="0">
-                <a:solidFill>
-                  <a:srgbClr val="253A44"/>
-                </a:solidFill>
-                <a:latin typeface="Source Serif Pro" panose="02040603050405020204" pitchFamily="18" charset="0"/>
-              </a:rPr>
-              <a:t> são normalmente utilizados para representarem </a:t>
-            </a:r>
-            <a:r>
-              <a:rPr lang="pt-BR" sz="2800" dirty="0">
-                <a:solidFill>
-                  <a:srgbClr val="92D050"/>
-                </a:solidFill>
-                <a:latin typeface="Source Serif Pro" panose="02040603050405020204" pitchFamily="18" charset="0"/>
-              </a:rPr>
-              <a:t>containers</a:t>
-            </a:r>
-            <a:r>
-              <a:rPr lang="pt-BR" sz="2800" dirty="0">
-                <a:solidFill>
-                  <a:srgbClr val="253A44"/>
-                </a:solidFill>
-                <a:latin typeface="Source Serif Pro" panose="02040603050405020204" pitchFamily="18" charset="0"/>
-              </a:rPr>
-              <a:t> para </a:t>
-            </a:r>
-            <a:r>
-              <a:rPr lang="pt-BR" sz="2800" dirty="0">
-                <a:solidFill>
-                  <a:srgbClr val="92D050"/>
-                </a:solidFill>
-                <a:latin typeface="Source Serif Pro" panose="02040603050405020204" pitchFamily="18" charset="0"/>
-              </a:rPr>
-              <a:t>outros elementos</a:t>
-            </a:r>
-            <a:r>
-              <a:rPr lang="pt-BR" sz="2800" dirty="0">
-                <a:solidFill>
-                  <a:srgbClr val="253A44"/>
-                </a:solidFill>
-                <a:latin typeface="Source Serif Pro" panose="02040603050405020204" pitchFamily="18" charset="0"/>
-              </a:rPr>
-              <a:t>, agrupando-os visualmente dentro de um bloco que pode conter dimensões e posição definidas. Por </a:t>
-            </a:r>
-            <a:r>
-              <a:rPr lang="pt-BR" sz="2800" dirty="0">
-                <a:solidFill>
-                  <a:srgbClr val="92D050"/>
-                </a:solidFill>
-                <a:latin typeface="Source Serif Pro" panose="02040603050405020204" pitchFamily="18" charset="0"/>
-              </a:rPr>
-              <a:t>padrão</a:t>
-            </a:r>
-            <a:r>
-              <a:rPr lang="pt-BR" sz="2800" dirty="0">
-                <a:solidFill>
-                  <a:srgbClr val="253A44"/>
-                </a:solidFill>
-                <a:latin typeface="Source Serif Pro" panose="02040603050405020204" pitchFamily="18" charset="0"/>
-              </a:rPr>
-              <a:t>, uma </a:t>
-            </a:r>
-            <a:r>
-              <a:rPr lang="pt-BR" sz="2800" dirty="0" err="1">
-                <a:solidFill>
-                  <a:srgbClr val="253A44"/>
-                </a:solidFill>
-                <a:latin typeface="Source Serif Pro" panose="02040603050405020204" pitchFamily="18" charset="0"/>
-              </a:rPr>
-              <a:t>div</a:t>
-            </a:r>
-            <a:r>
-              <a:rPr lang="pt-BR" sz="2800" dirty="0">
-                <a:solidFill>
-                  <a:srgbClr val="253A44"/>
-                </a:solidFill>
-                <a:latin typeface="Source Serif Pro" panose="02040603050405020204" pitchFamily="18" charset="0"/>
-              </a:rPr>
-              <a:t> </a:t>
-            </a:r>
-            <a:r>
-              <a:rPr lang="pt-BR" sz="2800" dirty="0">
-                <a:solidFill>
-                  <a:srgbClr val="92D050"/>
-                </a:solidFill>
-                <a:latin typeface="Source Serif Pro" panose="02040603050405020204" pitchFamily="18" charset="0"/>
-              </a:rPr>
-              <a:t>não possui aparência características visuais definidas</a:t>
-            </a:r>
-            <a:r>
-              <a:rPr lang="pt-BR" sz="2800" dirty="0">
-                <a:solidFill>
-                  <a:srgbClr val="253A44"/>
-                </a:solidFill>
-                <a:latin typeface="Source Serif Pro" panose="02040603050405020204" pitchFamily="18" charset="0"/>
-              </a:rPr>
-              <a:t>, isso precisa ser feito via </a:t>
-            </a:r>
-            <a:r>
-              <a:rPr lang="pt-BR" sz="2800" dirty="0">
-                <a:solidFill>
-                  <a:srgbClr val="92D050"/>
-                </a:solidFill>
-                <a:latin typeface="Source Serif Pro" panose="02040603050405020204" pitchFamily="18" charset="0"/>
-              </a:rPr>
-              <a:t>CSS</a:t>
-            </a:r>
-            <a:r>
-              <a:rPr lang="pt-BR" sz="2800" dirty="0">
-                <a:solidFill>
-                  <a:srgbClr val="253A44"/>
-                </a:solidFill>
-                <a:latin typeface="Source Serif Pro" panose="02040603050405020204" pitchFamily="18" charset="0"/>
-              </a:rPr>
-              <a:t> ao atribuir bordas, cores etc. Sua principal característica, no entanto, é que essa </a:t>
-            </a:r>
-            <a:r>
-              <a:rPr lang="pt-BR" sz="2800" dirty="0" err="1">
-                <a:solidFill>
-                  <a:srgbClr val="253A44"/>
-                </a:solidFill>
-                <a:latin typeface="Source Serif Pro" panose="02040603050405020204" pitchFamily="18" charset="0"/>
-              </a:rPr>
-              <a:t>tag</a:t>
-            </a:r>
-            <a:r>
-              <a:rPr lang="pt-BR" sz="2800" dirty="0">
-                <a:solidFill>
-                  <a:srgbClr val="253A44"/>
-                </a:solidFill>
-                <a:latin typeface="Source Serif Pro" panose="02040603050405020204" pitchFamily="18" charset="0"/>
-              </a:rPr>
-              <a:t> representa um elemento do tipo bloco, ou seja, que quando adicionado na página, automaticamente gera uma nova linha no layout (semelhante a um parágrafo), ao invés de ser alocado lateralmente nos demais componentes.</a:t>
-            </a:r>
-            <a:endParaRPr lang="pt-BR" sz="2800" dirty="0"/>
-          </a:p>
-        </p:txBody>
-      </p:sp>
-    </p:spTree>
-    <p:extLst>
-      <p:ext uri="{BB962C8B-B14F-4D97-AF65-F5344CB8AC3E}">
-        <p14:creationId xmlns:p14="http://schemas.microsoft.com/office/powerpoint/2010/main" val="3254636859"/>
       </p:ext>
     </p:extLst>
   </p:cSld>
@@ -8243,7 +8599,7 @@
           <p:cNvPr id="2" name="Título 1">
             <a:extLst>
               <a:ext uri="{FF2B5EF4-FFF2-40B4-BE49-F238E27FC236}">
-                <a16:creationId xmlns:a16="http://schemas.microsoft.com/office/drawing/2014/main" id="{58DF109F-26A5-4341-95E7-A191348D85DA}"/>
+                <a16:creationId xmlns:a16="http://schemas.microsoft.com/office/drawing/2014/main" xmlns="" id="{A8F7A9EA-3519-4B41-BD29-2C6E686B6159}"/>
               </a:ext>
             </a:extLst>
           </p:cNvPr>
@@ -8254,6 +8610,258 @@
             <p:ph type="title"/>
           </p:nvPr>
         </p:nvSpPr>
+        <p:spPr>
+          <a:xfrm>
+            <a:off x="0" y="-296418"/>
+            <a:ext cx="10058400" cy="1609344"/>
+          </a:xfrm>
+        </p:spPr>
+        <p:txBody>
+          <a:bodyPr/>
+          <a:lstStyle/>
+          <a:p>
+            <a:r>
+              <a:rPr lang="pt-BR" dirty="0" err="1"/>
+              <a:t>Tag</a:t>
+            </a:r>
+            <a:r>
+              <a:rPr lang="pt-BR" dirty="0"/>
+              <a:t> DIV</a:t>
+            </a:r>
+          </a:p>
+        </p:txBody>
+      </p:sp>
+      <p:sp>
+        <p:nvSpPr>
+          <p:cNvPr id="4" name="Retângulo 3">
+            <a:extLst>
+              <a:ext uri="{FF2B5EF4-FFF2-40B4-BE49-F238E27FC236}">
+                <a16:creationId xmlns:a16="http://schemas.microsoft.com/office/drawing/2014/main" xmlns="" id="{AC6E88B6-7C4A-4415-B509-97F6F39D1D5F}"/>
+              </a:ext>
+            </a:extLst>
+          </p:cNvPr>
+          <p:cNvSpPr/>
+          <p:nvPr/>
+        </p:nvSpPr>
+        <p:spPr>
+          <a:xfrm>
+            <a:off x="0" y="1073140"/>
+            <a:ext cx="12192000" cy="3970318"/>
+          </a:xfrm>
+          <a:prstGeom prst="rect">
+            <a:avLst/>
+          </a:prstGeom>
+        </p:spPr>
+        <p:txBody>
+          <a:bodyPr wrap="square">
+            <a:spAutoFit/>
+          </a:bodyPr>
+          <a:lstStyle/>
+          <a:p>
+            <a:pPr algn="just"/>
+            <a:r>
+              <a:rPr lang="pt-BR" sz="2800" dirty="0">
+                <a:solidFill>
+                  <a:srgbClr val="253A44"/>
+                </a:solidFill>
+                <a:latin typeface="Source Serif Pro" panose="02040603050405020204" pitchFamily="18" charset="0"/>
+              </a:rPr>
+              <a:t>As </a:t>
+            </a:r>
+            <a:r>
+              <a:rPr lang="pt-BR" sz="2800" dirty="0" err="1">
+                <a:solidFill>
+                  <a:srgbClr val="253A44"/>
+                </a:solidFill>
+                <a:latin typeface="Source Serif Pro" panose="02040603050405020204" pitchFamily="18" charset="0"/>
+              </a:rPr>
+              <a:t>divs</a:t>
+            </a:r>
+            <a:r>
+              <a:rPr lang="pt-BR" sz="2800" dirty="0">
+                <a:solidFill>
+                  <a:srgbClr val="253A44"/>
+                </a:solidFill>
+                <a:latin typeface="Source Serif Pro" panose="02040603050405020204" pitchFamily="18" charset="0"/>
+              </a:rPr>
+              <a:t> são normalmente utilizados para representarem </a:t>
+            </a:r>
+            <a:r>
+              <a:rPr lang="pt-BR" sz="2800" dirty="0">
+                <a:solidFill>
+                  <a:srgbClr val="92D050"/>
+                </a:solidFill>
+                <a:latin typeface="Source Serif Pro" panose="02040603050405020204" pitchFamily="18" charset="0"/>
+              </a:rPr>
+              <a:t>containers</a:t>
+            </a:r>
+            <a:r>
+              <a:rPr lang="pt-BR" sz="2800" dirty="0">
+                <a:solidFill>
+                  <a:srgbClr val="253A44"/>
+                </a:solidFill>
+                <a:latin typeface="Source Serif Pro" panose="02040603050405020204" pitchFamily="18" charset="0"/>
+              </a:rPr>
+              <a:t> para </a:t>
+            </a:r>
+            <a:r>
+              <a:rPr lang="pt-BR" sz="2800" dirty="0">
+                <a:solidFill>
+                  <a:srgbClr val="92D050"/>
+                </a:solidFill>
+                <a:latin typeface="Source Serif Pro" panose="02040603050405020204" pitchFamily="18" charset="0"/>
+              </a:rPr>
+              <a:t>outros elementos</a:t>
+            </a:r>
+            <a:r>
+              <a:rPr lang="pt-BR" sz="2800" dirty="0">
+                <a:solidFill>
+                  <a:srgbClr val="253A44"/>
+                </a:solidFill>
+                <a:latin typeface="Source Serif Pro" panose="02040603050405020204" pitchFamily="18" charset="0"/>
+              </a:rPr>
+              <a:t>, agrupando-os visualmente dentro de um bloco que pode conter dimensões e posição definidas. Por </a:t>
+            </a:r>
+            <a:r>
+              <a:rPr lang="pt-BR" sz="2800" dirty="0">
+                <a:solidFill>
+                  <a:srgbClr val="92D050"/>
+                </a:solidFill>
+                <a:latin typeface="Source Serif Pro" panose="02040603050405020204" pitchFamily="18" charset="0"/>
+              </a:rPr>
+              <a:t>padrão</a:t>
+            </a:r>
+            <a:r>
+              <a:rPr lang="pt-BR" sz="2800" dirty="0">
+                <a:solidFill>
+                  <a:srgbClr val="253A44"/>
+                </a:solidFill>
+                <a:latin typeface="Source Serif Pro" panose="02040603050405020204" pitchFamily="18" charset="0"/>
+              </a:rPr>
+              <a:t>, uma </a:t>
+            </a:r>
+            <a:r>
+              <a:rPr lang="pt-BR" sz="2800" dirty="0" err="1">
+                <a:solidFill>
+                  <a:srgbClr val="253A44"/>
+                </a:solidFill>
+                <a:latin typeface="Source Serif Pro" panose="02040603050405020204" pitchFamily="18" charset="0"/>
+              </a:rPr>
+              <a:t>div</a:t>
+            </a:r>
+            <a:r>
+              <a:rPr lang="pt-BR" sz="2800" dirty="0">
+                <a:solidFill>
+                  <a:srgbClr val="253A44"/>
+                </a:solidFill>
+                <a:latin typeface="Source Serif Pro" panose="02040603050405020204" pitchFamily="18" charset="0"/>
+              </a:rPr>
+              <a:t> </a:t>
+            </a:r>
+            <a:r>
+              <a:rPr lang="pt-BR" sz="2800" dirty="0">
+                <a:solidFill>
+                  <a:srgbClr val="92D050"/>
+                </a:solidFill>
+                <a:latin typeface="Source Serif Pro" panose="02040603050405020204" pitchFamily="18" charset="0"/>
+              </a:rPr>
+              <a:t>não possui aparência características visuais definidas</a:t>
+            </a:r>
+            <a:r>
+              <a:rPr lang="pt-BR" sz="2800" dirty="0">
+                <a:solidFill>
+                  <a:srgbClr val="253A44"/>
+                </a:solidFill>
+                <a:latin typeface="Source Serif Pro" panose="02040603050405020204" pitchFamily="18" charset="0"/>
+              </a:rPr>
+              <a:t>, isso precisa ser feito via </a:t>
+            </a:r>
+            <a:r>
+              <a:rPr lang="pt-BR" sz="2800" dirty="0">
+                <a:solidFill>
+                  <a:srgbClr val="92D050"/>
+                </a:solidFill>
+                <a:latin typeface="Source Serif Pro" panose="02040603050405020204" pitchFamily="18" charset="0"/>
+              </a:rPr>
+              <a:t>CSS</a:t>
+            </a:r>
+            <a:r>
+              <a:rPr lang="pt-BR" sz="2800" dirty="0">
+                <a:solidFill>
+                  <a:srgbClr val="253A44"/>
+                </a:solidFill>
+                <a:latin typeface="Source Serif Pro" panose="02040603050405020204" pitchFamily="18" charset="0"/>
+              </a:rPr>
+              <a:t> ao atribuir bordas, cores etc. Sua principal característica, no entanto, é que essa </a:t>
+            </a:r>
+            <a:r>
+              <a:rPr lang="pt-BR" sz="2800" dirty="0" err="1">
+                <a:solidFill>
+                  <a:srgbClr val="253A44"/>
+                </a:solidFill>
+                <a:latin typeface="Source Serif Pro" panose="02040603050405020204" pitchFamily="18" charset="0"/>
+              </a:rPr>
+              <a:t>tag</a:t>
+            </a:r>
+            <a:r>
+              <a:rPr lang="pt-BR" sz="2800" dirty="0">
+                <a:solidFill>
+                  <a:srgbClr val="253A44"/>
+                </a:solidFill>
+                <a:latin typeface="Source Serif Pro" panose="02040603050405020204" pitchFamily="18" charset="0"/>
+              </a:rPr>
+              <a:t> representa um elemento do tipo bloco, ou seja, que quando adicionado na página, automaticamente gera uma nova linha no layout (semelhante a um parágrafo), ao invés de ser alocado lateralmente nos demais componentes.</a:t>
+            </a:r>
+            <a:endParaRPr lang="pt-BR" sz="2800" dirty="0"/>
+          </a:p>
+        </p:txBody>
+      </p:sp>
+    </p:spTree>
+    <p:extLst>
+      <p:ext uri="{BB962C8B-B14F-4D97-AF65-F5344CB8AC3E}">
+        <p14:creationId xmlns:p14="http://schemas.microsoft.com/office/powerpoint/2010/main" val="3254636859"/>
+      </p:ext>
+    </p:extLst>
+  </p:cSld>
+  <p:clrMapOvr>
+    <a:masterClrMapping/>
+  </p:clrMapOvr>
+</p:sld>
+</file>
+
+<file path=ppt/slides/slide27.xml><?xml version="1.0" encoding="utf-8"?>
+<p:sld xmlns:a="http://schemas.openxmlformats.org/drawingml/2006/main" xmlns:r="http://schemas.openxmlformats.org/officeDocument/2006/relationships" xmlns:p="http://schemas.openxmlformats.org/presentationml/2006/main">
+  <p:cSld>
+    <p:spTree>
+      <p:nvGrpSpPr>
+        <p:cNvPr id="1" name=""/>
+        <p:cNvGrpSpPr/>
+        <p:nvPr/>
+      </p:nvGrpSpPr>
+      <p:grpSpPr>
+        <a:xfrm>
+          <a:off x="0" y="0"/>
+          <a:ext cx="0" cy="0"/>
+          <a:chOff x="0" y="0"/>
+          <a:chExt cx="0" cy="0"/>
+        </a:xfrm>
+      </p:grpSpPr>
+      <p:sp>
+        <p:nvSpPr>
+          <p:cNvPr id="2" name="Título 1">
+            <a:extLst>
+              <a:ext uri="{FF2B5EF4-FFF2-40B4-BE49-F238E27FC236}">
+                <a16:creationId xmlns:a16="http://schemas.microsoft.com/office/drawing/2014/main" xmlns="" id="{58DF109F-26A5-4341-95E7-A191348D85DA}"/>
+              </a:ext>
+            </a:extLst>
+          </p:cNvPr>
+          <p:cNvSpPr>
+            <a:spLocks noGrp="1"/>
+          </p:cNvSpPr>
+          <p:nvPr>
+            <p:ph type="title"/>
+          </p:nvPr>
+        </p:nvSpPr>
         <p:spPr/>
         <p:txBody>
           <a:bodyPr/>
@@ -8268,7 +8876,7 @@
           <p:cNvPr id="5" name="Espaço Reservado para Conteúdo 4">
             <a:extLst>
               <a:ext uri="{FF2B5EF4-FFF2-40B4-BE49-F238E27FC236}">
-                <a16:creationId xmlns:a16="http://schemas.microsoft.com/office/drawing/2014/main" id="{6F05135E-8F1D-4B10-ADD8-07DEC1211397}"/>
+                <a16:creationId xmlns:a16="http://schemas.microsoft.com/office/drawing/2014/main" xmlns="" id="{6F05135E-8F1D-4B10-ADD8-07DEC1211397}"/>
               </a:ext>
             </a:extLst>
           </p:cNvPr>
@@ -8300,7 +8908,7 @@
           <p:cNvPr id="4" name="Imagem 3">
             <a:extLst>
               <a:ext uri="{FF2B5EF4-FFF2-40B4-BE49-F238E27FC236}">
-                <a16:creationId xmlns:a16="http://schemas.microsoft.com/office/drawing/2014/main" id="{3CAAEC36-DB6D-4C82-BC57-E5ADF5ACE3C2}"/>
+                <a16:creationId xmlns:a16="http://schemas.microsoft.com/office/drawing/2014/main" xmlns="" id="{3CAAEC36-DB6D-4C82-BC57-E5ADF5ACE3C2}"/>
               </a:ext>
             </a:extLst>
           </p:cNvPr>
@@ -8338,7 +8946,7 @@
 </p:sld>
 </file>
 
-<file path=ppt/slides/slide27.xml><?xml version="1.0" encoding="utf-8"?>
+<file path=ppt/slides/slide28.xml><?xml version="1.0" encoding="utf-8"?>
 <p:sld xmlns:a="http://schemas.openxmlformats.org/drawingml/2006/main" xmlns:r="http://schemas.openxmlformats.org/officeDocument/2006/relationships" xmlns:p="http://schemas.openxmlformats.org/presentationml/2006/main">
   <p:cSld>
     <p:spTree>
@@ -8360,7 +8968,7 @@
           <p:cNvPr id="2" name="Título 1">
             <a:extLst>
               <a:ext uri="{FF2B5EF4-FFF2-40B4-BE49-F238E27FC236}">
-                <a16:creationId xmlns:a16="http://schemas.microsoft.com/office/drawing/2014/main" id="{ECEA252C-7F6C-48D2-A3E4-7F15A82A3DE4}"/>
+                <a16:creationId xmlns:a16="http://schemas.microsoft.com/office/drawing/2014/main" xmlns="" id="{ECEA252C-7F6C-48D2-A3E4-7F15A82A3DE4}"/>
               </a:ext>
             </a:extLst>
           </p:cNvPr>
@@ -8397,7 +9005,7 @@
           <p:cNvPr id="4" name="Retângulo 3">
             <a:extLst>
               <a:ext uri="{FF2B5EF4-FFF2-40B4-BE49-F238E27FC236}">
-                <a16:creationId xmlns:a16="http://schemas.microsoft.com/office/drawing/2014/main" id="{1D13EB47-1D08-4FDA-B878-07A23B240889}"/>
+                <a16:creationId xmlns:a16="http://schemas.microsoft.com/office/drawing/2014/main" xmlns="" id="{1D13EB47-1D08-4FDA-B878-07A23B240889}"/>
               </a:ext>
             </a:extLst>
           </p:cNvPr>
@@ -8516,7 +9124,7 @@
           <p:cNvPr id="5" name="Imagem 4">
             <a:extLst>
               <a:ext uri="{FF2B5EF4-FFF2-40B4-BE49-F238E27FC236}">
-                <a16:creationId xmlns:a16="http://schemas.microsoft.com/office/drawing/2014/main" id="{F90DAD14-BABB-4637-BB1B-66394EB04865}"/>
+                <a16:creationId xmlns:a16="http://schemas.microsoft.com/office/drawing/2014/main" xmlns="" id="{F90DAD14-BABB-4637-BB1B-66394EB04865}"/>
               </a:ext>
             </a:extLst>
           </p:cNvPr>
@@ -8546,7 +9154,7 @@
           <p:cNvPr id="6146" name="Picture 2" descr="HTML básico - códigos HTML">
             <a:extLst>
               <a:ext uri="{FF2B5EF4-FFF2-40B4-BE49-F238E27FC236}">
-                <a16:creationId xmlns:a16="http://schemas.microsoft.com/office/drawing/2014/main" id="{ED68C192-5310-442D-839F-5B9734888FF6}"/>
+                <a16:creationId xmlns:a16="http://schemas.microsoft.com/office/drawing/2014/main" xmlns="" id="{ED68C192-5310-442D-839F-5B9734888FF6}"/>
               </a:ext>
             </a:extLst>
           </p:cNvPr>
@@ -8601,7 +9209,7 @@
 </p:sld>
 </file>
 
-<file path=ppt/slides/slide28.xml><?xml version="1.0" encoding="utf-8"?>
+<file path=ppt/slides/slide29.xml><?xml version="1.0" encoding="utf-8"?>
 <p:sld xmlns:a="http://schemas.openxmlformats.org/drawingml/2006/main" xmlns:r="http://schemas.openxmlformats.org/officeDocument/2006/relationships" xmlns:p="http://schemas.openxmlformats.org/presentationml/2006/main">
   <p:cSld>
     <p:spTree>
@@ -8623,7 +9231,7 @@
           <p:cNvPr id="2" name="Título 1">
             <a:extLst>
               <a:ext uri="{FF2B5EF4-FFF2-40B4-BE49-F238E27FC236}">
-                <a16:creationId xmlns:a16="http://schemas.microsoft.com/office/drawing/2014/main" id="{C2417F61-F447-4BB7-970E-EDEFA8E9B94D}"/>
+                <a16:creationId xmlns:a16="http://schemas.microsoft.com/office/drawing/2014/main" xmlns="" id="{C2417F61-F447-4BB7-970E-EDEFA8E9B94D}"/>
               </a:ext>
             </a:extLst>
           </p:cNvPr>
@@ -8648,7 +9256,7 @@
           <p:cNvPr id="3" name="Espaço Reservado para Conteúdo 2">
             <a:extLst>
               <a:ext uri="{FF2B5EF4-FFF2-40B4-BE49-F238E27FC236}">
-                <a16:creationId xmlns:a16="http://schemas.microsoft.com/office/drawing/2014/main" id="{04B949D5-01DE-434A-A894-D4B0742F1BA6}"/>
+                <a16:creationId xmlns:a16="http://schemas.microsoft.com/office/drawing/2014/main" xmlns="" id="{04B949D5-01DE-434A-A894-D4B0742F1BA6}"/>
               </a:ext>
             </a:extLst>
           </p:cNvPr>
@@ -8673,7 +9281,7 @@
           <p:cNvPr id="7172" name="Picture 4" descr="Resultado de imagem para html + css meme&quot;">
             <a:extLst>
               <a:ext uri="{FF2B5EF4-FFF2-40B4-BE49-F238E27FC236}">
-                <a16:creationId xmlns:a16="http://schemas.microsoft.com/office/drawing/2014/main" id="{7E1AB2F6-AC84-4726-B6F9-EC35776B5530}"/>
+                <a16:creationId xmlns:a16="http://schemas.microsoft.com/office/drawing/2014/main" xmlns="" id="{7E1AB2F6-AC84-4726-B6F9-EC35776B5530}"/>
               </a:ext>
             </a:extLst>
           </p:cNvPr>
@@ -8755,6 +9363,124 @@
             <p:ph type="title"/>
           </p:nvPr>
         </p:nvSpPr>
+        <p:spPr/>
+        <p:txBody>
+          <a:bodyPr/>
+          <a:lstStyle/>
+          <a:p>
+            <a:r>
+              <a:rPr lang="pt-BR" dirty="0"/>
+              <a:t>Por que o CSS foi criado</a:t>
+            </a:r>
+            <a:r>
+              <a:rPr lang="pt-BR" dirty="0" smtClean="0"/>
+              <a:t>?</a:t>
+            </a:r>
+            <a:endParaRPr lang="en-US" dirty="0"/>
+          </a:p>
+        </p:txBody>
+      </p:sp>
+      <p:sp>
+        <p:nvSpPr>
+          <p:cNvPr id="3" name="Espaço Reservado para Conteúdo 2"/>
+          <p:cNvSpPr>
+            <a:spLocks noGrp="1"/>
+          </p:cNvSpPr>
+          <p:nvPr>
+            <p:ph idx="1"/>
+          </p:nvPr>
+        </p:nvSpPr>
+        <p:spPr>
+          <a:xfrm>
+            <a:off x="98474" y="1889291"/>
+            <a:ext cx="11128248" cy="4546678"/>
+          </a:xfrm>
+        </p:spPr>
+        <p:txBody>
+          <a:bodyPr>
+            <a:normAutofit/>
+          </a:bodyPr>
+          <a:lstStyle/>
+          <a:p>
+            <a:pPr algn="just"/>
+            <a:r>
+              <a:rPr lang="pt-BR" dirty="0"/>
+              <a:t>Com a evolução dos recursos de programação, as tecnologias estavam adotando cada vez mais estilos e variações para deixá-las mais elegantes e atrativas para os usuários. Com isto, linguagens de marcação simples como o HTML, que era destinada para apresentar os conteúdos, também precisaram ser aprimoradas</a:t>
+            </a:r>
+            <a:r>
+              <a:rPr lang="pt-BR" dirty="0" smtClean="0"/>
+              <a:t>.</a:t>
+            </a:r>
+          </a:p>
+          <a:p>
+            <a:pPr algn="just"/>
+            <a:r>
+              <a:rPr lang="pt-BR" dirty="0"/>
+              <a:t>Foram criadas novas </a:t>
+            </a:r>
+            <a:r>
+              <a:rPr lang="pt-BR" dirty="0" err="1"/>
+              <a:t>tags</a:t>
+            </a:r>
+            <a:r>
+              <a:rPr lang="pt-BR" dirty="0"/>
+              <a:t> e atributos de estilo para o HTML e em resumo, ele passou a exercer tanto a função de estruturar o conteúdo quanto de apresentá-lo para o usuário final. Entretanto, isto começou a trazer um problema para os desenvolvedores, pois não havia uma forma de definir, por exemplo, um padrão para todos os cabeçalhos ou conteúdos em diversas páginas. Ou seja, as alterações teriam que ser feitas manualmente, uma a uma</a:t>
+            </a:r>
+            <a:r>
+              <a:rPr lang="pt-BR" dirty="0" smtClean="0"/>
+              <a:t>.</a:t>
+            </a:r>
+          </a:p>
+          <a:p>
+            <a:pPr algn="just"/>
+            <a:r>
+              <a:rPr lang="pt-BR" dirty="0"/>
+              <a:t>A partir destas complicações, nasceu o CSS. Primariamente, foi desenvolvido para habilitar a separação do conteúdo e formato de um documento (na linguagem de formatação utilizada) de sua apresentação, incluindo elementos como cores, formatos de fontes e layout. Esta separação proporcionou uma maior flexibilidade e controle na especificação de como as características serão exibidas, permitiu um compartilhamento de formato e reduziu a repetição no conteúdo estrutural de um documento.</a:t>
+            </a:r>
+            <a:endParaRPr lang="en-US" dirty="0"/>
+          </a:p>
+        </p:txBody>
+      </p:sp>
+    </p:spTree>
+    <p:extLst>
+      <p:ext uri="{BB962C8B-B14F-4D97-AF65-F5344CB8AC3E}">
+        <p14:creationId xmlns:p14="http://schemas.microsoft.com/office/powerpoint/2010/main" val="3854435925"/>
+      </p:ext>
+    </p:extLst>
+  </p:cSld>
+  <p:clrMapOvr>
+    <a:masterClrMapping/>
+  </p:clrMapOvr>
+</p:sld>
+</file>
+
+<file path=ppt/slides/slide4.xml><?xml version="1.0" encoding="utf-8"?>
+<p:sld xmlns:a="http://schemas.openxmlformats.org/drawingml/2006/main" xmlns:r="http://schemas.openxmlformats.org/officeDocument/2006/relationships" xmlns:p="http://schemas.openxmlformats.org/presentationml/2006/main">
+  <p:cSld>
+    <p:spTree>
+      <p:nvGrpSpPr>
+        <p:cNvPr id="1" name=""/>
+        <p:cNvGrpSpPr/>
+        <p:nvPr/>
+      </p:nvGrpSpPr>
+      <p:grpSpPr>
+        <a:xfrm>
+          <a:off x="0" y="0"/>
+          <a:ext cx="0" cy="0"/>
+          <a:chOff x="0" y="0"/>
+          <a:chExt cx="0" cy="0"/>
+        </a:xfrm>
+      </p:grpSpPr>
+      <p:sp>
+        <p:nvSpPr>
+          <p:cNvPr id="2" name="Título 1"/>
+          <p:cNvSpPr>
+            <a:spLocks noGrp="1"/>
+          </p:cNvSpPr>
+          <p:nvPr>
+            <p:ph type="title"/>
+          </p:nvPr>
+        </p:nvSpPr>
         <p:spPr>
           <a:xfrm>
             <a:off x="12700" y="0"/>
@@ -8793,14 +9519,54 @@
         </p:spPr>
         <p:txBody>
           <a:bodyPr>
-            <a:normAutofit/>
+            <a:normAutofit fontScale="92500" lnSpcReduction="20000"/>
           </a:bodyPr>
           <a:lstStyle/>
           <a:p>
             <a:pPr algn="just"/>
+            <a:endParaRPr lang="pt-BR" sz="2400" dirty="0" smtClean="0"/>
+          </a:p>
+          <a:p>
+            <a:pPr algn="just"/>
             <a:r>
               <a:rPr lang="pt-BR" sz="2400" dirty="0"/>
-              <a:t>Até o momento, utilizamos os elementos HTML sem modificar a forma de exibição dos mesmos. A formatação padrão pode variar de navegador para navegador. Em geral, os navegadores tentam seguir as sugestões do W3C.</a:t>
+              <a:t>O </a:t>
+            </a:r>
+            <a:r>
+              <a:rPr lang="pt-BR" sz="2400" dirty="0" smtClean="0"/>
+              <a:t>CSS </a:t>
+            </a:r>
+            <a:r>
+              <a:rPr lang="pt-BR" sz="2400" dirty="0"/>
+              <a:t>é uma linguagem utilizada para definir a apresentação (aparência) de documentos que </a:t>
+            </a:r>
+            <a:r>
+              <a:rPr lang="pt-BR" sz="2400" dirty="0" smtClean="0"/>
+              <a:t>de linguagens </a:t>
+            </a:r>
+            <a:r>
+              <a:rPr lang="pt-BR" sz="2400" dirty="0"/>
+              <a:t>de marcação </a:t>
+            </a:r>
+            <a:r>
+              <a:rPr lang="pt-BR" sz="2400" dirty="0" smtClean="0"/>
+              <a:t>(</a:t>
+            </a:r>
+            <a:r>
+              <a:rPr lang="pt-BR" sz="2400" smtClean="0"/>
+              <a:t>HTML).</a:t>
+            </a:r>
+            <a:endParaRPr lang="pt-BR" sz="2400" dirty="0" smtClean="0"/>
+          </a:p>
+          <a:p>
+            <a:pPr algn="just"/>
+            <a:r>
+              <a:rPr lang="pt-BR" sz="2400" dirty="0" smtClean="0"/>
+              <a:t>Até </a:t>
+            </a:r>
+            <a:r>
+              <a:rPr lang="pt-BR" sz="2400" dirty="0"/>
+              <a:t>o momento, utilizamos os elementos HTML sem modificar a forma de exibição dos mesmos. A formatação padrão pode variar de navegador para navegador. Em geral, os navegadores tentam seguir as sugestões do W3C.</a:t>
             </a:r>
           </a:p>
           <a:p>
@@ -8856,7 +9622,7 @@
           <p:cNvPr id="5" name="Picture 4" descr="Resultado de imagem para html css javascript&quot;">
             <a:extLst>
               <a:ext uri="{FF2B5EF4-FFF2-40B4-BE49-F238E27FC236}">
-                <a16:creationId xmlns:a16="http://schemas.microsoft.com/office/drawing/2014/main" id="{F60003D4-2A74-467D-ADE8-FED5EF5F9BA2}"/>
+                <a16:creationId xmlns:a16="http://schemas.microsoft.com/office/drawing/2014/main" xmlns="" id="{F60003D4-2A74-467D-ADE8-FED5EF5F9BA2}"/>
               </a:ext>
             </a:extLst>
           </p:cNvPr>
@@ -8878,8 +9644,8 @@
         </p:blipFill>
         <p:spPr bwMode="auto">
           <a:xfrm>
-            <a:off x="10203451" y="4455886"/>
-            <a:ext cx="1852561" cy="2402114"/>
+            <a:off x="10987356" y="111838"/>
+            <a:ext cx="1068656" cy="1385668"/>
           </a:xfrm>
           <a:prstGeom prst="rect">
             <a:avLst/>
@@ -9064,7 +9830,7 @@
 </p:sld>
 </file>
 
-<file path=ppt/slides/slide4.xml><?xml version="1.0" encoding="utf-8"?>
+<file path=ppt/slides/slide5.xml><?xml version="1.0" encoding="utf-8"?>
 <p:sld xmlns:a="http://schemas.openxmlformats.org/drawingml/2006/main" xmlns:r="http://schemas.openxmlformats.org/officeDocument/2006/relationships" xmlns:p="http://schemas.openxmlformats.org/presentationml/2006/main">
   <p:cSld>
     <p:spTree>
@@ -9086,7 +9852,7 @@
           <p:cNvPr id="2" name="Título 1">
             <a:extLst>
               <a:ext uri="{FF2B5EF4-FFF2-40B4-BE49-F238E27FC236}">
-                <a16:creationId xmlns:a16="http://schemas.microsoft.com/office/drawing/2014/main" id="{A97E7B82-C446-46F3-B4AC-16E10B382669}"/>
+                <a16:creationId xmlns:a16="http://schemas.microsoft.com/office/drawing/2014/main" xmlns="" id="{A97E7B82-C446-46F3-B4AC-16E10B382669}"/>
               </a:ext>
             </a:extLst>
           </p:cNvPr>
@@ -9119,7 +9885,7 @@
           <p:cNvPr id="3" name="Espaço Reservado para Conteúdo 2">
             <a:extLst>
               <a:ext uri="{FF2B5EF4-FFF2-40B4-BE49-F238E27FC236}">
-                <a16:creationId xmlns:a16="http://schemas.microsoft.com/office/drawing/2014/main" id="{33D3BA95-CD60-4C80-9270-525CD81CC703}"/>
+                <a16:creationId xmlns:a16="http://schemas.microsoft.com/office/drawing/2014/main" xmlns="" id="{33D3BA95-CD60-4C80-9270-525CD81CC703}"/>
               </a:ext>
             </a:extLst>
           </p:cNvPr>
@@ -9152,7 +9918,7 @@
 </p:sld>
 </file>
 
-<file path=ppt/slides/slide5.xml><?xml version="1.0" encoding="utf-8"?>
+<file path=ppt/slides/slide6.xml><?xml version="1.0" encoding="utf-8"?>
 <p:sld xmlns:a="http://schemas.openxmlformats.org/drawingml/2006/main" xmlns:r="http://schemas.openxmlformats.org/officeDocument/2006/relationships" xmlns:p="http://schemas.openxmlformats.org/presentationml/2006/main">
   <p:cSld>
     <p:spTree>
@@ -9504,7 +10270,7 @@
 </p:sld>
 </file>
 
-<file path=ppt/slides/slide6.xml><?xml version="1.0" encoding="utf-8"?>
+<file path=ppt/slides/slide7.xml><?xml version="1.0" encoding="utf-8"?>
 <p:sld xmlns:a="http://schemas.openxmlformats.org/drawingml/2006/main" xmlns:r="http://schemas.openxmlformats.org/officeDocument/2006/relationships" xmlns:p="http://schemas.openxmlformats.org/presentationml/2006/main">
   <p:cSld>
     <p:spTree>
@@ -9804,7 +10570,7 @@
 </p:sld>
 </file>
 
-<file path=ppt/slides/slide7.xml><?xml version="1.0" encoding="utf-8"?>
+<file path=ppt/slides/slide8.xml><?xml version="1.0" encoding="utf-8"?>
 <p:sld xmlns:a="http://schemas.openxmlformats.org/drawingml/2006/main" xmlns:r="http://schemas.openxmlformats.org/officeDocument/2006/relationships" xmlns:p="http://schemas.openxmlformats.org/presentationml/2006/main">
   <p:cSld>
     <p:spTree>
@@ -10385,7 +11151,7 @@
 </p:sld>
 </file>
 
-<file path=ppt/slides/slide8.xml><?xml version="1.0" encoding="utf-8"?>
+<file path=ppt/slides/slide9.xml><?xml version="1.0" encoding="utf-8"?>
 <p:sld xmlns:a="http://schemas.openxmlformats.org/drawingml/2006/main" xmlns:r="http://schemas.openxmlformats.org/officeDocument/2006/relationships" xmlns:p="http://schemas.openxmlformats.org/presentationml/2006/main">
   <p:cSld>
     <p:spTree>
@@ -12276,613 +13042,6 @@
 </p:sld>
 </file>
 
-<file path=ppt/slides/slide9.xml><?xml version="1.0" encoding="utf-8"?>
-<p:sld xmlns:a="http://schemas.openxmlformats.org/drawingml/2006/main" xmlns:r="http://schemas.openxmlformats.org/officeDocument/2006/relationships" xmlns:p="http://schemas.openxmlformats.org/presentationml/2006/main">
-  <p:cSld>
-    <p:spTree>
-      <p:nvGrpSpPr>
-        <p:cNvPr id="1" name=""/>
-        <p:cNvGrpSpPr/>
-        <p:nvPr/>
-      </p:nvGrpSpPr>
-      <p:grpSpPr>
-        <a:xfrm>
-          <a:off x="0" y="0"/>
-          <a:ext cx="0" cy="0"/>
-          <a:chOff x="0" y="0"/>
-          <a:chExt cx="0" cy="0"/>
-        </a:xfrm>
-      </p:grpSpPr>
-      <p:sp>
-        <p:nvSpPr>
-          <p:cNvPr id="3" name="Espaço Reservado para Conteúdo 2"/>
-          <p:cNvSpPr>
-            <a:spLocks noGrp="1"/>
-          </p:cNvSpPr>
-          <p:nvPr>
-            <p:ph idx="1"/>
-          </p:nvPr>
-        </p:nvSpPr>
-        <p:spPr>
-          <a:xfrm>
-            <a:off x="81022" y="257884"/>
-            <a:ext cx="12110977" cy="2103351"/>
-          </a:xfrm>
-        </p:spPr>
-        <p:txBody>
-          <a:bodyPr>
-            <a:normAutofit/>
-          </a:bodyPr>
-          <a:lstStyle/>
-          <a:p>
-            <a:r>
-              <a:rPr lang="pt-BR" dirty="0"/>
-              <a:t>Para </a:t>
-            </a:r>
-            <a:r>
-              <a:rPr lang="pt-BR" b="1" dirty="0"/>
-              <a:t>desenvolver páginas com HTML</a:t>
-            </a:r>
-            <a:r>
-              <a:rPr lang="pt-BR" dirty="0"/>
-              <a:t> basicamente precisamos de um editor de texto, como o Bloco de Notas do Windows, Nano e </a:t>
-            </a:r>
-            <a:r>
-              <a:rPr lang="pt-BR" dirty="0" err="1"/>
-              <a:t>Emacs</a:t>
-            </a:r>
-            <a:r>
-              <a:rPr lang="pt-BR" dirty="0"/>
-              <a:t> no Linux, entre vários outros. Há, ainda, editores com opções avançadas, como recursos de </a:t>
-            </a:r>
-            <a:r>
-              <a:rPr lang="pt-BR" dirty="0" err="1"/>
-              <a:t>syntax</a:t>
-            </a:r>
-            <a:r>
-              <a:rPr lang="pt-BR" dirty="0"/>
-              <a:t> </a:t>
-            </a:r>
-            <a:r>
-              <a:rPr lang="pt-BR" dirty="0" err="1"/>
-              <a:t>hilghligt</a:t>
-            </a:r>
-            <a:r>
-              <a:rPr lang="pt-BR" dirty="0"/>
-              <a:t> e </a:t>
-            </a:r>
-            <a:r>
-              <a:rPr lang="pt-BR" dirty="0" err="1"/>
-              <a:t>autocomplete</a:t>
-            </a:r>
-            <a:r>
-              <a:rPr lang="pt-BR" dirty="0"/>
-              <a:t>, como Sublime </a:t>
-            </a:r>
-            <a:r>
-              <a:rPr lang="pt-BR" dirty="0" err="1"/>
-              <a:t>Text</a:t>
-            </a:r>
-            <a:r>
-              <a:rPr lang="pt-BR" dirty="0"/>
-              <a:t>, </a:t>
-            </a:r>
-            <a:r>
-              <a:rPr lang="pt-BR" dirty="0" err="1"/>
-              <a:t>Atom</a:t>
-            </a:r>
-            <a:r>
-              <a:rPr lang="pt-BR" dirty="0"/>
-              <a:t>, Visual Studio </a:t>
-            </a:r>
-            <a:r>
-              <a:rPr lang="pt-BR" dirty="0" err="1"/>
-              <a:t>Code</a:t>
-            </a:r>
-            <a:r>
-              <a:rPr lang="pt-BR" dirty="0"/>
-              <a:t>, que podem ser usados para </a:t>
-            </a:r>
-            <a:r>
-              <a:rPr lang="pt-BR" b="1" dirty="0"/>
-              <a:t>editar documentos HTML</a:t>
-            </a:r>
-            <a:r>
-              <a:rPr lang="pt-BR" dirty="0"/>
-              <a:t>.</a:t>
-            </a:r>
-          </a:p>
-          <a:p>
-            <a:r>
-              <a:rPr lang="pt-BR" dirty="0"/>
-              <a:t>Independentemente do editor utilizado, podemos simplesmente escrever um código para um deles e salvar o arquivo com extensão .</a:t>
-            </a:r>
-            <a:r>
-              <a:rPr lang="pt-BR" dirty="0" err="1"/>
-              <a:t>html</a:t>
-            </a:r>
-            <a:r>
-              <a:rPr lang="pt-BR" dirty="0"/>
-              <a:t>. Em seguida, podemos abrir esse arquivo em um browser.</a:t>
-            </a:r>
-          </a:p>
-          <a:p>
-            <a:endParaRPr lang="en-US" dirty="0"/>
-          </a:p>
-        </p:txBody>
-      </p:sp>
-      <p:pic>
-        <p:nvPicPr>
-          <p:cNvPr id="3076" name="Picture 4" descr="Resultado de imagem para Bloco de Notas"/>
-          <p:cNvPicPr>
-            <a:picLocks noChangeAspect="1" noChangeArrowheads="1"/>
-          </p:cNvPicPr>
-          <p:nvPr/>
-        </p:nvPicPr>
-        <p:blipFill>
-          <a:blip r:embed="rId2">
-            <a:extLst>
-              <a:ext uri="{28A0092B-C50C-407E-A947-70E740481C1C}">
-                <a14:useLocalDpi xmlns:a14="http://schemas.microsoft.com/office/drawing/2010/main" val="0"/>
-              </a:ext>
-            </a:extLst>
-          </a:blip>
-          <a:srcRect/>
-          <a:stretch>
-            <a:fillRect/>
-          </a:stretch>
-        </p:blipFill>
-        <p:spPr bwMode="auto">
-          <a:xfrm>
-            <a:off x="81022" y="2498276"/>
-            <a:ext cx="2143125" cy="2143125"/>
-          </a:xfrm>
-          <a:prstGeom prst="rect">
-            <a:avLst/>
-          </a:prstGeom>
-          <a:noFill/>
-          <a:extLst>
-            <a:ext uri="{909E8E84-426E-40DD-AFC4-6F175D3DCCD1}">
-              <a14:hiddenFill xmlns:a14="http://schemas.microsoft.com/office/drawing/2010/main">
-                <a:solidFill>
-                  <a:srgbClr val="FFFFFF"/>
-                </a:solidFill>
-              </a14:hiddenFill>
-            </a:ext>
-          </a:extLst>
-        </p:spPr>
-      </p:pic>
-      <p:pic>
-        <p:nvPicPr>
-          <p:cNvPr id="3078" name="Picture 6" descr="Resultado de imagem para Nano linux&quot;"/>
-          <p:cNvPicPr>
-            <a:picLocks noChangeAspect="1" noChangeArrowheads="1"/>
-          </p:cNvPicPr>
-          <p:nvPr/>
-        </p:nvPicPr>
-        <p:blipFill>
-          <a:blip r:embed="rId3">
-            <a:extLst>
-              <a:ext uri="{28A0092B-C50C-407E-A947-70E740481C1C}">
-                <a14:useLocalDpi xmlns:a14="http://schemas.microsoft.com/office/drawing/2010/main" val="0"/>
-              </a:ext>
-            </a:extLst>
-          </a:blip>
-          <a:srcRect/>
-          <a:stretch>
-            <a:fillRect/>
-          </a:stretch>
-        </p:blipFill>
-        <p:spPr bwMode="auto">
-          <a:xfrm>
-            <a:off x="2655708" y="2077063"/>
-            <a:ext cx="3349026" cy="2392892"/>
-          </a:xfrm>
-          <a:prstGeom prst="rect">
-            <a:avLst/>
-          </a:prstGeom>
-          <a:noFill/>
-          <a:extLst>
-            <a:ext uri="{909E8E84-426E-40DD-AFC4-6F175D3DCCD1}">
-              <a14:hiddenFill xmlns:a14="http://schemas.microsoft.com/office/drawing/2010/main">
-                <a:solidFill>
-                  <a:srgbClr val="FFFFFF"/>
-                </a:solidFill>
-              </a14:hiddenFill>
-            </a:ext>
-          </a:extLst>
-        </p:spPr>
-      </p:pic>
-      <p:pic>
-        <p:nvPicPr>
-          <p:cNvPr id="3080" name="Picture 8" descr="Resultado de imagem para Emacs  linux&quot;"/>
-          <p:cNvPicPr>
-            <a:picLocks noChangeAspect="1" noChangeArrowheads="1"/>
-          </p:cNvPicPr>
-          <p:nvPr/>
-        </p:nvPicPr>
-        <p:blipFill>
-          <a:blip r:embed="rId4">
-            <a:extLst>
-              <a:ext uri="{28A0092B-C50C-407E-A947-70E740481C1C}">
-                <a14:useLocalDpi xmlns:a14="http://schemas.microsoft.com/office/drawing/2010/main" val="0"/>
-              </a:ext>
-            </a:extLst>
-          </a:blip>
-          <a:srcRect/>
-          <a:stretch>
-            <a:fillRect/>
-          </a:stretch>
-        </p:blipFill>
-        <p:spPr bwMode="auto">
-          <a:xfrm>
-            <a:off x="7100288" y="2047491"/>
-            <a:ext cx="3996156" cy="2735785"/>
-          </a:xfrm>
-          <a:prstGeom prst="rect">
-            <a:avLst/>
-          </a:prstGeom>
-          <a:noFill/>
-          <a:extLst>
-            <a:ext uri="{909E8E84-426E-40DD-AFC4-6F175D3DCCD1}">
-              <a14:hiddenFill xmlns:a14="http://schemas.microsoft.com/office/drawing/2010/main">
-                <a:solidFill>
-                  <a:srgbClr val="FFFFFF"/>
-                </a:solidFill>
-              </a14:hiddenFill>
-            </a:ext>
-          </a:extLst>
-        </p:spPr>
-      </p:pic>
-      <p:pic>
-        <p:nvPicPr>
-          <p:cNvPr id="3086" name="Picture 14" descr="Resultado de imagem para Notepad++"/>
-          <p:cNvPicPr>
-            <a:picLocks noChangeAspect="1" noChangeArrowheads="1"/>
-          </p:cNvPicPr>
-          <p:nvPr/>
-        </p:nvPicPr>
-        <p:blipFill>
-          <a:blip r:embed="rId5">
-            <a:extLst>
-              <a:ext uri="{28A0092B-C50C-407E-A947-70E740481C1C}">
-                <a14:useLocalDpi xmlns:a14="http://schemas.microsoft.com/office/drawing/2010/main" val="0"/>
-              </a:ext>
-            </a:extLst>
-          </a:blip>
-          <a:srcRect/>
-          <a:stretch>
-            <a:fillRect/>
-          </a:stretch>
-        </p:blipFill>
-        <p:spPr bwMode="auto">
-          <a:xfrm>
-            <a:off x="144402" y="4641401"/>
-            <a:ext cx="2295525" cy="1990725"/>
-          </a:xfrm>
-          <a:prstGeom prst="rect">
-            <a:avLst/>
-          </a:prstGeom>
-          <a:noFill/>
-          <a:extLst>
-            <a:ext uri="{909E8E84-426E-40DD-AFC4-6F175D3DCCD1}">
-              <a14:hiddenFill xmlns:a14="http://schemas.microsoft.com/office/drawing/2010/main">
-                <a:solidFill>
-                  <a:srgbClr val="FFFFFF"/>
-                </a:solidFill>
-              </a14:hiddenFill>
-            </a:ext>
-          </a:extLst>
-        </p:spPr>
-      </p:pic>
-      <p:pic>
-        <p:nvPicPr>
-          <p:cNvPr id="3088" name="Picture 16" descr="Resultado de imagem para Atom"/>
-          <p:cNvPicPr>
-            <a:picLocks noChangeAspect="1" noChangeArrowheads="1"/>
-          </p:cNvPicPr>
-          <p:nvPr/>
-        </p:nvPicPr>
-        <p:blipFill>
-          <a:blip r:embed="rId6">
-            <a:extLst>
-              <a:ext uri="{28A0092B-C50C-407E-A947-70E740481C1C}">
-                <a14:useLocalDpi xmlns:a14="http://schemas.microsoft.com/office/drawing/2010/main" val="0"/>
-              </a:ext>
-            </a:extLst>
-          </a:blip>
-          <a:srcRect/>
-          <a:stretch>
-            <a:fillRect/>
-          </a:stretch>
-        </p:blipFill>
-        <p:spPr bwMode="auto">
-          <a:xfrm>
-            <a:off x="2439927" y="4641401"/>
-            <a:ext cx="2143125" cy="2143125"/>
-          </a:xfrm>
-          <a:prstGeom prst="rect">
-            <a:avLst/>
-          </a:prstGeom>
-          <a:noFill/>
-          <a:extLst>
-            <a:ext uri="{909E8E84-426E-40DD-AFC4-6F175D3DCCD1}">
-              <a14:hiddenFill xmlns:a14="http://schemas.microsoft.com/office/drawing/2010/main">
-                <a:solidFill>
-                  <a:srgbClr val="FFFFFF"/>
-                </a:solidFill>
-              </a14:hiddenFill>
-            </a:ext>
-          </a:extLst>
-        </p:spPr>
-      </p:pic>
-      <p:sp>
-        <p:nvSpPr>
-          <p:cNvPr id="7" name="AutoShape 18" descr="Resultado de imagem para Sublime Text&quot;"/>
-          <p:cNvSpPr>
-            <a:spLocks noChangeAspect="1" noChangeArrowheads="1"/>
-          </p:cNvSpPr>
-          <p:nvPr/>
-        </p:nvSpPr>
-        <p:spPr bwMode="auto">
-          <a:xfrm>
-            <a:off x="155575" y="-144463"/>
-            <a:ext cx="304800" cy="304801"/>
-          </a:xfrm>
-          <a:prstGeom prst="rect">
-            <a:avLst/>
-          </a:prstGeom>
-          <a:noFill/>
-          <a:extLst>
-            <a:ext uri="{909E8E84-426E-40DD-AFC4-6F175D3DCCD1}">
-              <a14:hiddenFill xmlns:a14="http://schemas.microsoft.com/office/drawing/2010/main">
-                <a:solidFill>
-                  <a:srgbClr val="FFFFFF"/>
-                </a:solidFill>
-              </a14:hiddenFill>
-            </a:ext>
-          </a:extLst>
-        </p:spPr>
-        <p:txBody>
-          <a:bodyPr vert="horz" wrap="square" lIns="91440" tIns="45720" rIns="91440" bIns="45720" numCol="1" anchor="t" anchorCtr="0" compatLnSpc="1">
-            <a:prstTxWarp prst="textNoShape">
-              <a:avLst/>
-            </a:prstTxWarp>
-          </a:bodyPr>
-          <a:lstStyle/>
-          <a:p>
-            <a:endParaRPr lang="en-US"/>
-          </a:p>
-        </p:txBody>
-      </p:sp>
-      <p:sp>
-        <p:nvSpPr>
-          <p:cNvPr id="8" name="AutoShape 20" descr="Resultado de imagem para Sublime Text&quot;"/>
-          <p:cNvSpPr>
-            <a:spLocks noChangeAspect="1" noChangeArrowheads="1"/>
-          </p:cNvSpPr>
-          <p:nvPr/>
-        </p:nvSpPr>
-        <p:spPr bwMode="auto">
-          <a:xfrm>
-            <a:off x="307975" y="7937"/>
-            <a:ext cx="304800" cy="304801"/>
-          </a:xfrm>
-          <a:prstGeom prst="rect">
-            <a:avLst/>
-          </a:prstGeom>
-          <a:noFill/>
-          <a:extLst>
-            <a:ext uri="{909E8E84-426E-40DD-AFC4-6F175D3DCCD1}">
-              <a14:hiddenFill xmlns:a14="http://schemas.microsoft.com/office/drawing/2010/main">
-                <a:solidFill>
-                  <a:srgbClr val="FFFFFF"/>
-                </a:solidFill>
-              </a14:hiddenFill>
-            </a:ext>
-          </a:extLst>
-        </p:spPr>
-        <p:txBody>
-          <a:bodyPr vert="horz" wrap="square" lIns="91440" tIns="45720" rIns="91440" bIns="45720" numCol="1" anchor="t" anchorCtr="0" compatLnSpc="1">
-            <a:prstTxWarp prst="textNoShape">
-              <a:avLst/>
-            </a:prstTxWarp>
-          </a:bodyPr>
-          <a:lstStyle/>
-          <a:p>
-            <a:endParaRPr lang="en-US"/>
-          </a:p>
-        </p:txBody>
-      </p:sp>
-      <p:pic>
-        <p:nvPicPr>
-          <p:cNvPr id="11" name="Imagem 10"/>
-          <p:cNvPicPr>
-            <a:picLocks noChangeAspect="1"/>
-          </p:cNvPicPr>
-          <p:nvPr/>
-        </p:nvPicPr>
-        <p:blipFill>
-          <a:blip r:embed="rId7"/>
-          <a:stretch>
-            <a:fillRect/>
-          </a:stretch>
-        </p:blipFill>
-        <p:spPr>
-          <a:xfrm>
-            <a:off x="4899086" y="4783276"/>
-            <a:ext cx="1973385" cy="2041433"/>
-          </a:xfrm>
-          <a:prstGeom prst="rect">
-            <a:avLst/>
-          </a:prstGeom>
-        </p:spPr>
-      </p:pic>
-      <p:pic>
-        <p:nvPicPr>
-          <p:cNvPr id="3098" name="Picture 26" descr="Resultado de imagem para Visual Studio Code&quot;"/>
-          <p:cNvPicPr>
-            <a:picLocks noChangeAspect="1" noChangeArrowheads="1"/>
-          </p:cNvPicPr>
-          <p:nvPr/>
-        </p:nvPicPr>
-        <p:blipFill>
-          <a:blip r:embed="rId8">
-            <a:extLst>
-              <a:ext uri="{28A0092B-C50C-407E-A947-70E740481C1C}">
-                <a14:useLocalDpi xmlns:a14="http://schemas.microsoft.com/office/drawing/2010/main" val="0"/>
-              </a:ext>
-            </a:extLst>
-          </a:blip>
-          <a:srcRect/>
-          <a:stretch>
-            <a:fillRect/>
-          </a:stretch>
-        </p:blipFill>
-        <p:spPr bwMode="auto">
-          <a:xfrm>
-            <a:off x="7454770" y="4862832"/>
-            <a:ext cx="1882319" cy="1882319"/>
-          </a:xfrm>
-          <a:prstGeom prst="rect">
-            <a:avLst/>
-          </a:prstGeom>
-          <a:noFill/>
-          <a:extLst>
-            <a:ext uri="{909E8E84-426E-40DD-AFC4-6F175D3DCCD1}">
-              <a14:hiddenFill xmlns:a14="http://schemas.microsoft.com/office/drawing/2010/main">
-                <a:solidFill>
-                  <a:srgbClr val="FFFFFF"/>
-                </a:solidFill>
-              </a14:hiddenFill>
-            </a:ext>
-          </a:extLst>
-        </p:spPr>
-      </p:pic>
-      <p:sp>
-        <p:nvSpPr>
-          <p:cNvPr id="13" name="Retângulo 12"/>
-          <p:cNvSpPr/>
-          <p:nvPr/>
-        </p:nvSpPr>
-        <p:spPr>
-          <a:xfrm>
-            <a:off x="9492669" y="6488668"/>
-            <a:ext cx="2272610" cy="369332"/>
-          </a:xfrm>
-          <a:prstGeom prst="rect">
-            <a:avLst/>
-          </a:prstGeom>
-        </p:spPr>
-        <p:txBody>
-          <a:bodyPr wrap="none">
-            <a:spAutoFit/>
-          </a:bodyPr>
-          <a:lstStyle/>
-          <a:p>
-            <a:r>
-              <a:rPr lang="en-US" dirty="0">
-                <a:hlinkClick r:id="rId9"/>
-              </a:rPr>
-              <a:t>https://jsfiddle.net/</a:t>
-            </a:r>
-            <a:endParaRPr lang="en-US" dirty="0"/>
-          </a:p>
-        </p:txBody>
-      </p:sp>
-      <p:sp>
-        <p:nvSpPr>
-          <p:cNvPr id="14" name="AutoShape 28" descr="Resultado de imagem para jsfiddle"/>
-          <p:cNvSpPr>
-            <a:spLocks noChangeAspect="1" noChangeArrowheads="1"/>
-          </p:cNvSpPr>
-          <p:nvPr/>
-        </p:nvSpPr>
-        <p:spPr bwMode="auto">
-          <a:xfrm>
-            <a:off x="460375" y="160337"/>
-            <a:ext cx="304800" cy="304801"/>
-          </a:xfrm>
-          <a:prstGeom prst="rect">
-            <a:avLst/>
-          </a:prstGeom>
-          <a:noFill/>
-          <a:extLst>
-            <a:ext uri="{909E8E84-426E-40DD-AFC4-6F175D3DCCD1}">
-              <a14:hiddenFill xmlns:a14="http://schemas.microsoft.com/office/drawing/2010/main">
-                <a:solidFill>
-                  <a:srgbClr val="FFFFFF"/>
-                </a:solidFill>
-              </a14:hiddenFill>
-            </a:ext>
-          </a:extLst>
-        </p:spPr>
-        <p:txBody>
-          <a:bodyPr vert="horz" wrap="square" lIns="91440" tIns="45720" rIns="91440" bIns="45720" numCol="1" anchor="t" anchorCtr="0" compatLnSpc="1">
-            <a:prstTxWarp prst="textNoShape">
-              <a:avLst/>
-            </a:prstTxWarp>
-          </a:bodyPr>
-          <a:lstStyle/>
-          <a:p>
-            <a:endParaRPr lang="en-US"/>
-          </a:p>
-        </p:txBody>
-      </p:sp>
-      <p:pic>
-        <p:nvPicPr>
-          <p:cNvPr id="3102" name="Picture 30" descr="Resultado de imagem para jsfiddle&quot;"/>
-          <p:cNvPicPr>
-            <a:picLocks noChangeAspect="1" noChangeArrowheads="1"/>
-          </p:cNvPicPr>
-          <p:nvPr/>
-        </p:nvPicPr>
-        <p:blipFill>
-          <a:blip r:embed="rId10">
-            <a:extLst>
-              <a:ext uri="{28A0092B-C50C-407E-A947-70E740481C1C}">
-                <a14:useLocalDpi xmlns:a14="http://schemas.microsoft.com/office/drawing/2010/main" val="0"/>
-              </a:ext>
-            </a:extLst>
-          </a:blip>
-          <a:srcRect/>
-          <a:stretch>
-            <a:fillRect/>
-          </a:stretch>
-        </p:blipFill>
-        <p:spPr bwMode="auto">
-          <a:xfrm>
-            <a:off x="9741535" y="4956731"/>
-            <a:ext cx="1531937" cy="1531937"/>
-          </a:xfrm>
-          <a:prstGeom prst="rect">
-            <a:avLst/>
-          </a:prstGeom>
-          <a:noFill/>
-          <a:extLst>
-            <a:ext uri="{909E8E84-426E-40DD-AFC4-6F175D3DCCD1}">
-              <a14:hiddenFill xmlns:a14="http://schemas.microsoft.com/office/drawing/2010/main">
-                <a:solidFill>
-                  <a:srgbClr val="FFFFFF"/>
-                </a:solidFill>
-              </a14:hiddenFill>
-            </a:ext>
-          </a:extLst>
-        </p:spPr>
-      </p:pic>
-    </p:spTree>
-    <p:extLst>
-      <p:ext uri="{BB962C8B-B14F-4D97-AF65-F5344CB8AC3E}">
-        <p14:creationId xmlns:p14="http://schemas.microsoft.com/office/powerpoint/2010/main" val="145471559"/>
-      </p:ext>
-    </p:extLst>
-  </p:cSld>
-  <p:clrMapOvr>
-    <a:masterClrMapping/>
-  </p:clrMapOvr>
-</p:sld>
-</file>
-
 <file path=ppt/theme/theme1.xml><?xml version="1.0" encoding="utf-8"?>
 <a:theme xmlns:a="http://schemas.openxmlformats.org/drawingml/2006/main" name="Tipo de Madeira">
   <a:themeElements>
